--- a/Slides/Module 3.pptx
+++ b/Slides/Module 3.pptx
@@ -5,10 +5,10 @@
     <p:sldMasterId id="2147483660" r:id="rId4"/>
   </p:sldMasterIdLst>
   <p:notesMasterIdLst>
-    <p:notesMasterId r:id="rId16"/>
+    <p:notesMasterId r:id="rId18"/>
   </p:notesMasterIdLst>
   <p:handoutMasterIdLst>
-    <p:handoutMasterId r:id="rId17"/>
+    <p:handoutMasterId r:id="rId19"/>
   </p:handoutMasterIdLst>
   <p:sldIdLst>
     <p:sldId id="277" r:id="rId5"/>
@@ -16,12 +16,14 @@
     <p:sldId id="284" r:id="rId7"/>
     <p:sldId id="285" r:id="rId8"/>
     <p:sldId id="286" r:id="rId9"/>
-    <p:sldId id="288" r:id="rId10"/>
-    <p:sldId id="289" r:id="rId11"/>
-    <p:sldId id="304" r:id="rId12"/>
-    <p:sldId id="303" r:id="rId13"/>
-    <p:sldId id="302" r:id="rId14"/>
-    <p:sldId id="269" r:id="rId15"/>
+    <p:sldId id="306" r:id="rId10"/>
+    <p:sldId id="288" r:id="rId11"/>
+    <p:sldId id="289" r:id="rId12"/>
+    <p:sldId id="304" r:id="rId13"/>
+    <p:sldId id="303" r:id="rId14"/>
+    <p:sldId id="307" r:id="rId15"/>
+    <p:sldId id="302" r:id="rId16"/>
+    <p:sldId id="269" r:id="rId17"/>
   </p:sldIdLst>
   <p:sldSz cx="12192000" cy="6858000"/>
   <p:notesSz cx="6858000" cy="9144000"/>
@@ -122,10 +124,10 @@
   </p:defaultTextStyle>
   <p:extLst>
     <p:ext uri="{EFAFB233-063F-42B5-8137-9DF3F51BA10A}">
-      <p15:sldGuideLst xmlns:p15="http://schemas.microsoft.com/office/powerpoint/2012/main"/>
+      <p15:sldGuideLst xmlns:p15="http://schemas.microsoft.com/office/powerpoint/2012/main" xmlns=""/>
     </p:ext>
     <p:ext uri="{2D200454-40CA-4A62-9FC3-DE9A4176ACB9}">
-      <p15:notesGuideLst xmlns:p15="http://schemas.microsoft.com/office/powerpoint/2012/main"/>
+      <p15:notesGuideLst xmlns:p15="http://schemas.microsoft.com/office/powerpoint/2012/main" xmlns=""/>
     </p:ext>
   </p:extLst>
 </p:presentation>
@@ -213,7 +215,7 @@
           <a:p>
             <a:fld id="{312E7B4A-039C-48A2-9B2C-AF16AA3873D8}" type="datetimeFigureOut">
               <a:rPr lang="en-US" smtClean="0"/>
-              <a:t>11/24/2014</a:t>
+              <a:t>12/1/14</a:t>
             </a:fld>
             <a:endParaRPr lang="en-US"/>
           </a:p>
@@ -378,7 +380,7 @@
           <a:p>
             <a:fld id="{DA005A0C-54D9-45AA-87D4-C551D08DFCE1}" type="datetimeFigureOut">
               <a:rPr lang="en-US" smtClean="0"/>
-              <a:t>11/24/2014</a:t>
+              <a:t>12/1/14</a:t>
             </a:fld>
             <a:endParaRPr lang="en-US"/>
           </a:p>
@@ -872,6 +874,10 @@
           <a:bodyPr/>
           <a:lstStyle/>
           <a:p>
+            <a:r>
+              <a:rPr lang="en-US" dirty="0" smtClean="0"/>
+              <a:t>Later on, we’ll talk about things like inline blocks.</a:t>
+            </a:r>
             <a:endParaRPr lang="en-US" dirty="0"/>
           </a:p>
         </p:txBody>
@@ -956,6 +962,16 @@
           <a:bodyPr/>
           <a:lstStyle/>
           <a:p>
+            <a:r>
+              <a:rPr lang="en-US" dirty="0" smtClean="0"/>
+              <a:t>Blocks – structural elements</a:t>
+            </a:r>
+          </a:p>
+          <a:p>
+            <a:r>
+              <a:rPr lang="en-US" dirty="0" smtClean="0"/>
+              <a:t>Inline </a:t>
+            </a:r>
             <a:endParaRPr lang="en-US" dirty="0"/>
           </a:p>
         </p:txBody>
@@ -1061,7 +1077,91 @@
           <a:p>
             <a:fld id="{4CFD207A-07DF-40AD-A916-9872E089CE7A}" type="slidenum">
               <a:rPr lang="en-US" smtClean="0"/>
-              <a:t>9</a:t>
+              <a:t>10</a:t>
+            </a:fld>
+            <a:endParaRPr lang="en-US"/>
+          </a:p>
+        </p:txBody>
+      </p:sp>
+    </p:spTree>
+    <p:extLst>
+      <p:ext uri="{BB962C8B-B14F-4D97-AF65-F5344CB8AC3E}">
+        <p14:creationId xmlns:p14="http://schemas.microsoft.com/office/powerpoint/2010/main" val="2077088154"/>
+      </p:ext>
+    </p:extLst>
+  </p:cSld>
+  <p:clrMapOvr>
+    <a:masterClrMapping/>
+  </p:clrMapOvr>
+</p:notes>
+</file>
+
+<file path=ppt/notesSlides/notesSlide6.xml><?xml version="1.0" encoding="utf-8"?>
+<p:notes xmlns:a="http://schemas.openxmlformats.org/drawingml/2006/main" xmlns:r="http://schemas.openxmlformats.org/officeDocument/2006/relationships" xmlns:p="http://schemas.openxmlformats.org/presentationml/2006/main">
+  <p:cSld>
+    <p:spTree>
+      <p:nvGrpSpPr>
+        <p:cNvPr id="1" name=""/>
+        <p:cNvGrpSpPr/>
+        <p:nvPr/>
+      </p:nvGrpSpPr>
+      <p:grpSpPr>
+        <a:xfrm>
+          <a:off x="0" y="0"/>
+          <a:ext cx="0" cy="0"/>
+          <a:chOff x="0" y="0"/>
+          <a:chExt cx="0" cy="0"/>
+        </a:xfrm>
+      </p:grpSpPr>
+      <p:sp>
+        <p:nvSpPr>
+          <p:cNvPr id="2" name="Slide Image Placeholder 1"/>
+          <p:cNvSpPr>
+            <a:spLocks noGrp="1" noRot="1" noChangeAspect="1"/>
+          </p:cNvSpPr>
+          <p:nvPr>
+            <p:ph type="sldImg"/>
+          </p:nvPr>
+        </p:nvSpPr>
+        <p:spPr/>
+      </p:sp>
+      <p:sp>
+        <p:nvSpPr>
+          <p:cNvPr id="3" name="Notes Placeholder 2"/>
+          <p:cNvSpPr>
+            <a:spLocks noGrp="1"/>
+          </p:cNvSpPr>
+          <p:nvPr>
+            <p:ph type="body" idx="1"/>
+          </p:nvPr>
+        </p:nvSpPr>
+        <p:spPr/>
+        <p:txBody>
+          <a:bodyPr/>
+          <a:lstStyle/>
+          <a:p>
+            <a:endParaRPr lang="en-US" dirty="0"/>
+          </a:p>
+        </p:txBody>
+      </p:sp>
+      <p:sp>
+        <p:nvSpPr>
+          <p:cNvPr id="4" name="Slide Number Placeholder 3"/>
+          <p:cNvSpPr>
+            <a:spLocks noGrp="1"/>
+          </p:cNvSpPr>
+          <p:nvPr>
+            <p:ph type="sldNum" sz="quarter" idx="10"/>
+          </p:nvPr>
+        </p:nvSpPr>
+        <p:spPr/>
+        <p:txBody>
+          <a:bodyPr/>
+          <a:lstStyle/>
+          <a:p>
+            <a:fld id="{4CFD207A-07DF-40AD-A916-9872E089CE7A}" type="slidenum">
+              <a:rPr lang="en-US" smtClean="0"/>
+              <a:t>11</a:t>
             </a:fld>
             <a:endParaRPr lang="en-US"/>
           </a:p>
@@ -1468,13 +1568,13 @@
   <p:timing>
     <p:tnLst>
       <p:par>
-        <p:cTn id="1" dur="indefinite" restart="never" nodeType="tmRoot"/>
+        <p:cTn xmlns:p14="http://schemas.microsoft.com/office/powerpoint/2010/main" id="1" dur="indefinite" restart="never" nodeType="tmRoot"/>
       </p:par>
     </p:tnLst>
   </p:timing>
   <p:extLst mod="1">
     <p:ext uri="{DCECCB84-F9BA-43D5-87BE-67443E8EF086}">
-      <p15:sldGuideLst xmlns:p15="http://schemas.microsoft.com/office/powerpoint/2012/main">
+      <p15:sldGuideLst xmlns:p15="http://schemas.microsoft.com/office/powerpoint/2012/main" xmlns="">
         <p15:guide id="1" orient="horz" pos="3792">
           <p15:clr>
             <a:srgbClr val="FBAE40"/>
@@ -2127,13 +2227,13 @@
   <p:timing>
     <p:tnLst>
       <p:par>
-        <p:cTn id="1" dur="indefinite" restart="never" nodeType="tmRoot"/>
+        <p:cTn xmlns:p14="http://schemas.microsoft.com/office/powerpoint/2010/main" id="1" dur="indefinite" restart="never" nodeType="tmRoot"/>
       </p:par>
     </p:tnLst>
   </p:timing>
   <p:extLst mod="1">
     <p:ext uri="{DCECCB84-F9BA-43D5-87BE-67443E8EF086}">
-      <p15:sldGuideLst xmlns:p15="http://schemas.microsoft.com/office/powerpoint/2012/main">
+      <p15:sldGuideLst xmlns:p15="http://schemas.microsoft.com/office/powerpoint/2012/main" xmlns="">
         <p15:guide id="1" orient="horz" pos="2160">
           <p15:clr>
             <a:srgbClr val="FBAE40"/>
@@ -2361,7 +2461,7 @@
   <p:timing>
     <p:tnLst>
       <p:par>
-        <p:cTn id="1" dur="indefinite" restart="never" nodeType="tmRoot"/>
+        <p:cTn xmlns:p14="http://schemas.microsoft.com/office/powerpoint/2010/main" id="1" dur="indefinite" restart="never" nodeType="tmRoot"/>
       </p:par>
     </p:tnLst>
   </p:timing>
@@ -2520,7 +2620,7 @@
   <p:timing>
     <p:tnLst>
       <p:par>
-        <p:cTn id="1" dur="indefinite" restart="never" nodeType="tmRoot"/>
+        <p:cTn xmlns:p14="http://schemas.microsoft.com/office/powerpoint/2010/main" id="1" dur="indefinite" restart="never" nodeType="tmRoot"/>
       </p:par>
     </p:tnLst>
   </p:timing>
@@ -2760,7 +2860,7 @@
   <p:timing>
     <p:tnLst>
       <p:par>
-        <p:cTn id="1" dur="indefinite" restart="never" nodeType="tmRoot"/>
+        <p:cTn xmlns:p14="http://schemas.microsoft.com/office/powerpoint/2010/main" id="1" dur="indefinite" restart="never" nodeType="tmRoot"/>
       </p:par>
     </p:tnLst>
   </p:timing>
@@ -3152,7 +3252,7 @@
   <p:timing>
     <p:tnLst>
       <p:par>
-        <p:cTn id="1" dur="indefinite" restart="never" nodeType="tmRoot"/>
+        <p:cTn xmlns:p14="http://schemas.microsoft.com/office/powerpoint/2010/main" id="1" dur="indefinite" restart="never" nodeType="tmRoot"/>
       </p:par>
     </p:tnLst>
   </p:timing>
@@ -3212,7 +3312,7 @@
   <p:timing>
     <p:tnLst>
       <p:par>
-        <p:cTn id="1" dur="indefinite" restart="never" nodeType="tmRoot"/>
+        <p:cTn xmlns:p14="http://schemas.microsoft.com/office/powerpoint/2010/main" id="1" dur="indefinite" restart="never" nodeType="tmRoot"/>
       </p:par>
     </p:tnLst>
   </p:timing>
@@ -3249,7 +3349,7 @@
   <p:timing>
     <p:tnLst>
       <p:par>
-        <p:cTn id="1" dur="indefinite" restart="never" nodeType="tmRoot"/>
+        <p:cTn xmlns:p14="http://schemas.microsoft.com/office/powerpoint/2010/main" id="1" dur="indefinite" restart="never" nodeType="tmRoot"/>
       </p:par>
     </p:tnLst>
   </p:timing>
@@ -3460,7 +3560,7 @@
   <p:timing>
     <p:tnLst>
       <p:par>
-        <p:cTn id="1" dur="indefinite" restart="never" nodeType="tmRoot"/>
+        <p:cTn xmlns:p14="http://schemas.microsoft.com/office/powerpoint/2010/main" id="1" dur="indefinite" restart="never" nodeType="tmRoot"/>
       </p:par>
     </p:tnLst>
   </p:timing>
@@ -3544,7 +3644,7 @@
   <p:timing>
     <p:tnLst>
       <p:par>
-        <p:cTn id="1" dur="indefinite" restart="never" nodeType="tmRoot"/>
+        <p:cTn xmlns:p14="http://schemas.microsoft.com/office/powerpoint/2010/main" id="1" dur="indefinite" restart="never" nodeType="tmRoot"/>
       </p:par>
     </p:tnLst>
   </p:timing>
@@ -3852,15 +3952,7 @@
             <a:pPr marL="914400" indent="-914400"/>
             <a:r>
               <a:rPr lang="en-US" dirty="0" smtClean="0"/>
-              <a:t>03 </a:t>
-            </a:r>
-            <a:r>
-              <a:rPr lang="en-US" dirty="0" smtClean="0"/>
-              <a:t>| </a:t>
-            </a:r>
-            <a:r>
-              <a:rPr lang="en-US" dirty="0" smtClean="0"/>
-              <a:t>Page Layout</a:t>
+              <a:t>03 | Page Layout</a:t>
             </a:r>
             <a:endParaRPr lang="en-US" dirty="0"/>
           </a:p>
@@ -3907,7 +3999,7 @@
   <p:timing>
     <p:tnLst>
       <p:par>
-        <p:cTn id="1" dur="indefinite" restart="never" nodeType="tmRoot"/>
+        <p:cTn xmlns:p14="http://schemas.microsoft.com/office/powerpoint/2010/main" id="1" dur="indefinite" restart="never" nodeType="tmRoot"/>
       </p:par>
     </p:tnLst>
   </p:timing>
@@ -3933,7 +4025,7 @@
       </p:grpSpPr>
       <p:sp>
         <p:nvSpPr>
-          <p:cNvPr id="4" name="Title 3"/>
+          <p:cNvPr id="2" name="Title 1"/>
           <p:cNvSpPr>
             <a:spLocks noGrp="1"/>
           </p:cNvSpPr>
@@ -3948,7 +4040,397 @@
           <a:p>
             <a:r>
               <a:rPr lang="en-US" dirty="0" smtClean="0"/>
-              <a:t>Element conflicts</a:t>
+              <a:t>The </a:t>
+            </a:r>
+            <a:r>
+              <a:rPr lang="en-US" i="1" dirty="0" smtClean="0"/>
+              <a:t>float </a:t>
+            </a:r>
+            <a:r>
+              <a:rPr lang="en-US" dirty="0" smtClean="0"/>
+              <a:t>property</a:t>
+            </a:r>
+            <a:endParaRPr lang="en-US" dirty="0"/>
+          </a:p>
+        </p:txBody>
+      </p:sp>
+      <p:sp>
+        <p:nvSpPr>
+          <p:cNvPr id="3" name="Content Placeholder 2"/>
+          <p:cNvSpPr>
+            <a:spLocks noGrp="1"/>
+          </p:cNvSpPr>
+          <p:nvPr>
+            <p:ph sz="quarter" idx="10"/>
+          </p:nvPr>
+        </p:nvSpPr>
+        <p:spPr/>
+        <p:txBody>
+          <a:bodyPr/>
+          <a:lstStyle/>
+          <a:p>
+            <a:r>
+              <a:rPr lang="en-US" dirty="0"/>
+              <a:t>Allows other elements to flow around the element</a:t>
+            </a:r>
+          </a:p>
+          <a:p>
+            <a:r>
+              <a:rPr lang="en-US" dirty="0"/>
+              <a:t>Allows block elements to be positioned on the same </a:t>
+            </a:r>
+            <a:r>
+              <a:rPr lang="en-US" dirty="0" smtClean="0"/>
+              <a:t>row</a:t>
+            </a:r>
+            <a:endParaRPr lang="en-US" dirty="0"/>
+          </a:p>
+          <a:p>
+            <a:pPr marL="0" indent="0">
+              <a:buNone/>
+            </a:pPr>
+            <a:r>
+              <a:rPr lang="en-US" sz="2400" dirty="0"/>
+              <a:t>*doesn’t apply to absolutely positioned elements</a:t>
+            </a:r>
+          </a:p>
+          <a:p>
+            <a:endParaRPr lang="en-US" dirty="0" smtClean="0"/>
+          </a:p>
+          <a:p>
+            <a:pPr marL="0" indent="0">
+              <a:buNone/>
+            </a:pPr>
+            <a:r>
+              <a:rPr lang="en-US" dirty="0" smtClean="0"/>
+              <a:t> </a:t>
+            </a:r>
+            <a:endParaRPr lang="en-US" dirty="0"/>
+          </a:p>
+        </p:txBody>
+      </p:sp>
+      <p:sp>
+        <p:nvSpPr>
+          <p:cNvPr id="7" name="TextBox 6"/>
+          <p:cNvSpPr txBox="1"/>
+          <p:nvPr/>
+        </p:nvSpPr>
+        <p:spPr>
+          <a:xfrm>
+            <a:off x="634973" y="3791133"/>
+            <a:ext cx="4560277" cy="2636288"/>
+          </a:xfrm>
+          <a:prstGeom prst="rect">
+            <a:avLst/>
+          </a:prstGeom>
+          <a:noFill/>
+        </p:spPr>
+        <p:txBody>
+          <a:bodyPr wrap="square" rtlCol="0">
+            <a:spAutoFit/>
+          </a:bodyPr>
+          <a:lstStyle/>
+          <a:p>
+            <a:r>
+              <a:rPr lang="en-US" sz="2000" dirty="0"/>
+              <a:t>Lorem ipsum </a:t>
+            </a:r>
+            <a:r>
+              <a:rPr lang="en-US" sz="2000" dirty="0" smtClean="0"/>
+              <a:t>dolor</a:t>
+            </a:r>
+          </a:p>
+          <a:p>
+            <a:r>
+              <a:rPr lang="en-US" sz="2000" dirty="0" smtClean="0"/>
+              <a:t> </a:t>
+            </a:r>
+            <a:r>
+              <a:rPr lang="en-US" sz="2000" dirty="0"/>
+              <a:t>sit amet, consectetur </a:t>
+            </a:r>
+            <a:endParaRPr lang="en-US" sz="2000" dirty="0" smtClean="0"/>
+          </a:p>
+          <a:p>
+            <a:r>
+              <a:rPr lang="en-US" sz="2000" dirty="0" smtClean="0"/>
+              <a:t>adipiscing </a:t>
+            </a:r>
+            <a:r>
+              <a:rPr lang="en-US" sz="2000" dirty="0"/>
+              <a:t>elit, sed </a:t>
+            </a:r>
+            <a:r>
+              <a:rPr lang="en-US" sz="2000" dirty="0" smtClean="0"/>
+              <a:t>do</a:t>
+            </a:r>
+          </a:p>
+          <a:p>
+            <a:r>
+              <a:rPr lang="en-US" sz="2000" dirty="0" smtClean="0"/>
+              <a:t> </a:t>
+            </a:r>
+            <a:r>
+              <a:rPr lang="en-US" sz="2000" dirty="0"/>
+              <a:t>eiusmod tempor </a:t>
+            </a:r>
+            <a:endParaRPr lang="en-US" sz="2000" dirty="0" smtClean="0"/>
+          </a:p>
+          <a:p>
+            <a:r>
+              <a:rPr lang="en-US" sz="2000" dirty="0" smtClean="0"/>
+              <a:t>incididunt </a:t>
+            </a:r>
+            <a:r>
+              <a:rPr lang="en-US" sz="2000" dirty="0"/>
+              <a:t>ut labore et dolore magna </a:t>
+            </a:r>
+            <a:endParaRPr lang="en-US" sz="2000" dirty="0" smtClean="0"/>
+          </a:p>
+          <a:p>
+            <a:r>
+              <a:rPr lang="en-US" sz="2000" dirty="0" smtClean="0"/>
+              <a:t>aliqua</a:t>
+            </a:r>
+            <a:r>
+              <a:rPr lang="en-US" sz="2000" dirty="0"/>
+              <a:t>. Ut enim ad minim veniam, quis </a:t>
+            </a:r>
+            <a:endParaRPr lang="en-US" sz="2000" dirty="0" smtClean="0"/>
+          </a:p>
+          <a:p>
+            <a:r>
+              <a:rPr lang="en-US" sz="2000" dirty="0" smtClean="0"/>
+              <a:t>nostrud </a:t>
+            </a:r>
+            <a:r>
+              <a:rPr lang="en-US" sz="2000" dirty="0"/>
+              <a:t>exercitation ullamco laboris nisi </a:t>
+            </a:r>
+            <a:endParaRPr lang="en-US" sz="2000" dirty="0" smtClean="0"/>
+          </a:p>
+          <a:p>
+            <a:r>
+              <a:rPr lang="en-US" sz="2000" dirty="0" smtClean="0"/>
+              <a:t>ut </a:t>
+            </a:r>
+            <a:r>
+              <a:rPr lang="en-US" sz="2000" dirty="0"/>
+              <a:t>aliquip ex ea commodo consequat. </a:t>
+            </a:r>
+          </a:p>
+        </p:txBody>
+      </p:sp>
+      <p:sp>
+        <p:nvSpPr>
+          <p:cNvPr id="6" name="Rectangle 5"/>
+          <p:cNvSpPr/>
+          <p:nvPr/>
+        </p:nvSpPr>
+        <p:spPr>
+          <a:xfrm>
+            <a:off x="3060713" y="3848755"/>
+            <a:ext cx="1807429" cy="1135383"/>
+          </a:xfrm>
+          <a:prstGeom prst="rect">
+            <a:avLst/>
+          </a:prstGeom>
+        </p:spPr>
+        <p:style>
+          <a:lnRef idx="1">
+            <a:schemeClr val="accent1"/>
+          </a:lnRef>
+          <a:fillRef idx="3">
+            <a:schemeClr val="accent1"/>
+          </a:fillRef>
+          <a:effectRef idx="2">
+            <a:schemeClr val="accent1"/>
+          </a:effectRef>
+          <a:fontRef idx="minor">
+            <a:schemeClr val="lt1"/>
+          </a:fontRef>
+        </p:style>
+        <p:txBody>
+          <a:bodyPr rtlCol="0" anchor="ctr"/>
+          <a:lstStyle/>
+          <a:p>
+            <a:pPr algn="ctr"/>
+            <a:endParaRPr lang="en-US"/>
+          </a:p>
+        </p:txBody>
+      </p:sp>
+    </p:spTree>
+    <p:extLst>
+      <p:ext uri="{BB962C8B-B14F-4D97-AF65-F5344CB8AC3E}">
+        <p14:creationId xmlns:p14="http://schemas.microsoft.com/office/powerpoint/2010/main" val="2056110900"/>
+      </p:ext>
+    </p:extLst>
+  </p:cSld>
+  <p:clrMapOvr>
+    <a:masterClrMapping/>
+  </p:clrMapOvr>
+  <p:timing>
+    <p:tnLst>
+      <p:par>
+        <p:cTn xmlns:p14="http://schemas.microsoft.com/office/powerpoint/2010/main" id="1" dur="indefinite" restart="never" nodeType="tmRoot"/>
+      </p:par>
+    </p:tnLst>
+  </p:timing>
+</p:sld>
+</file>
+
+<file path=ppt/slides/slide11.xml><?xml version="1.0" encoding="utf-8"?>
+<p:sld xmlns:a="http://schemas.openxmlformats.org/drawingml/2006/main" xmlns:r="http://schemas.openxmlformats.org/officeDocument/2006/relationships" xmlns:p="http://schemas.openxmlformats.org/presentationml/2006/main">
+  <p:cSld>
+    <p:spTree>
+      <p:nvGrpSpPr>
+        <p:cNvPr id="1" name=""/>
+        <p:cNvGrpSpPr/>
+        <p:nvPr/>
+      </p:nvGrpSpPr>
+      <p:grpSpPr>
+        <a:xfrm>
+          <a:off x="0" y="0"/>
+          <a:ext cx="0" cy="0"/>
+          <a:chOff x="0" y="0"/>
+          <a:chExt cx="0" cy="0"/>
+        </a:xfrm>
+      </p:grpSpPr>
+      <p:sp>
+        <p:nvSpPr>
+          <p:cNvPr id="2" name="Title 1"/>
+          <p:cNvSpPr>
+            <a:spLocks noGrp="1"/>
+          </p:cNvSpPr>
+          <p:nvPr>
+            <p:ph type="title"/>
+          </p:nvPr>
+        </p:nvSpPr>
+        <p:spPr/>
+        <p:txBody>
+          <a:bodyPr/>
+          <a:lstStyle/>
+          <a:p>
+            <a:r>
+              <a:rPr lang="en-US" dirty="0" smtClean="0"/>
+              <a:t>Taming the elements</a:t>
+            </a:r>
+            <a:endParaRPr lang="en-US" dirty="0"/>
+          </a:p>
+        </p:txBody>
+      </p:sp>
+      <p:sp>
+        <p:nvSpPr>
+          <p:cNvPr id="3" name="Content Placeholder 2"/>
+          <p:cNvSpPr>
+            <a:spLocks noGrp="1"/>
+          </p:cNvSpPr>
+          <p:nvPr>
+            <p:ph sz="quarter" idx="10"/>
+          </p:nvPr>
+        </p:nvSpPr>
+        <p:spPr/>
+        <p:txBody>
+          <a:bodyPr/>
+          <a:lstStyle/>
+          <a:p>
+            <a:r>
+              <a:rPr lang="en-US" dirty="0"/>
+              <a:t>Lining up multiple elements in one row </a:t>
+            </a:r>
+          </a:p>
+          <a:p>
+            <a:r>
+              <a:rPr lang="en-US" dirty="0" smtClean="0"/>
+              <a:t>What happens when a div is larger than its parent?</a:t>
+            </a:r>
+          </a:p>
+          <a:p>
+            <a:pPr marL="457046" lvl="1" indent="0">
+              <a:buNone/>
+            </a:pPr>
+            <a:r>
+              <a:rPr lang="en-US" dirty="0" smtClean="0"/>
+              <a:t>Clearfix – stretches the parent element to always include its children</a:t>
+            </a:r>
+          </a:p>
+          <a:p>
+            <a:r>
+              <a:rPr lang="en-US" dirty="0" smtClean="0"/>
+              <a:t>How to you make sure an element gets its own row?</a:t>
+            </a:r>
+          </a:p>
+          <a:p>
+            <a:pPr marL="457046" lvl="1" indent="0">
+              <a:buNone/>
+            </a:pPr>
+            <a:r>
+              <a:rPr lang="en-US" smtClean="0"/>
+              <a:t>Clear – stops the element from floating around others</a:t>
+            </a:r>
+            <a:endParaRPr lang="en-US" dirty="0" smtClean="0"/>
+          </a:p>
+        </p:txBody>
+      </p:sp>
+    </p:spTree>
+    <p:extLst>
+      <p:ext uri="{BB962C8B-B14F-4D97-AF65-F5344CB8AC3E}">
+        <p14:creationId xmlns:p14="http://schemas.microsoft.com/office/powerpoint/2010/main" val="321880707"/>
+      </p:ext>
+    </p:extLst>
+  </p:cSld>
+  <p:clrMapOvr>
+    <a:masterClrMapping/>
+  </p:clrMapOvr>
+  <p:timing>
+    <p:tnLst>
+      <p:par>
+        <p:cTn xmlns:p14="http://schemas.microsoft.com/office/powerpoint/2010/main" id="1" dur="indefinite" restart="never" nodeType="tmRoot"/>
+      </p:par>
+    </p:tnLst>
+  </p:timing>
+</p:sld>
+</file>
+
+<file path=ppt/slides/slide12.xml><?xml version="1.0" encoding="utf-8"?>
+<p:sld xmlns:a="http://schemas.openxmlformats.org/drawingml/2006/main" xmlns:r="http://schemas.openxmlformats.org/officeDocument/2006/relationships" xmlns:p="http://schemas.openxmlformats.org/presentationml/2006/main">
+  <p:cSld>
+    <p:spTree>
+      <p:nvGrpSpPr>
+        <p:cNvPr id="1" name=""/>
+        <p:cNvGrpSpPr/>
+        <p:nvPr/>
+      </p:nvGrpSpPr>
+      <p:grpSpPr>
+        <a:xfrm>
+          <a:off x="0" y="0"/>
+          <a:ext cx="0" cy="0"/>
+          <a:chOff x="0" y="0"/>
+          <a:chExt cx="0" cy="0"/>
+        </a:xfrm>
+      </p:grpSpPr>
+      <p:sp>
+        <p:nvSpPr>
+          <p:cNvPr id="4" name="Title 3"/>
+          <p:cNvSpPr>
+            <a:spLocks noGrp="1"/>
+          </p:cNvSpPr>
+          <p:nvPr>
+            <p:ph type="title"/>
+          </p:nvPr>
+        </p:nvSpPr>
+        <p:spPr/>
+        <p:txBody>
+          <a:bodyPr/>
+          <a:lstStyle/>
+          <a:p>
+            <a:r>
+              <a:rPr lang="en-US" dirty="0" smtClean="0"/>
+              <a:t>Element </a:t>
+            </a:r>
+            <a:r>
+              <a:rPr lang="en-US" dirty="0" smtClean="0"/>
+              <a:t>interactions</a:t>
             </a:r>
             <a:endParaRPr lang="en-US" dirty="0"/>
           </a:p>
@@ -3967,14 +4449,14 @@
   <p:timing>
     <p:tnLst>
       <p:par>
-        <p:cTn id="1" dur="indefinite" restart="never" nodeType="tmRoot"/>
+        <p:cTn xmlns:p14="http://schemas.microsoft.com/office/powerpoint/2010/main" id="1" dur="indefinite" restart="never" nodeType="tmRoot"/>
       </p:par>
     </p:tnLst>
   </p:timing>
 </p:sld>
 </file>
 
-<file path=ppt/slides/slide11.xml><?xml version="1.0" encoding="utf-8"?>
+<file path=ppt/slides/slide13.xml><?xml version="1.0" encoding="utf-8"?>
 <p:sld xmlns:a="http://schemas.openxmlformats.org/drawingml/2006/main" xmlns:r="http://schemas.openxmlformats.org/officeDocument/2006/relationships" xmlns:p="http://schemas.openxmlformats.org/presentationml/2006/main">
   <p:cSld>
     <p:spTree>
@@ -4004,7 +4486,7 @@
   <p:timing>
     <p:tnLst>
       <p:par>
-        <p:cTn id="1" dur="indefinite" restart="never" nodeType="tmRoot"/>
+        <p:cTn xmlns:p14="http://schemas.microsoft.com/office/powerpoint/2010/main" id="1" dur="indefinite" restart="never" nodeType="tmRoot"/>
       </p:par>
     </p:tnLst>
   </p:timing>
@@ -4104,7 +4586,7 @@
   <p:timing>
     <p:tnLst>
       <p:par>
-        <p:cTn id="1" dur="indefinite" restart="never" nodeType="tmRoot"/>
+        <p:cTn xmlns:p14="http://schemas.microsoft.com/office/powerpoint/2010/main" id="1" dur="indefinite" restart="never" nodeType="tmRoot"/>
       </p:par>
     </p:tnLst>
   </p:timing>
@@ -4183,7 +4665,7 @@
   <p:timing>
     <p:tnLst>
       <p:par>
-        <p:cTn id="1" dur="indefinite" restart="never" nodeType="tmRoot"/>
+        <p:cTn xmlns:p14="http://schemas.microsoft.com/office/powerpoint/2010/main" id="1" dur="indefinite" restart="never" nodeType="tmRoot"/>
       </p:par>
     </p:tnLst>
   </p:timing>
@@ -4253,32 +4735,81 @@
           <a:bodyPr/>
           <a:lstStyle/>
           <a:p>
-            <a:r>
-              <a:rPr lang="en-US" dirty="0" smtClean="0"/>
-              <a:t>Determines if and how an element shows up on the page</a:t>
-            </a:r>
-            <a:endParaRPr lang="en-US" dirty="0"/>
-          </a:p>
-          <a:p>
+            <a:pPr marL="0" indent="0">
+              <a:buNone/>
+            </a:pPr>
+            <a:r>
+              <a:rPr lang="en-US" dirty="0" smtClean="0"/>
+              <a:t>Determines if and how an element shows up on the </a:t>
+            </a:r>
+            <a:r>
+              <a:rPr lang="en-US" dirty="0" smtClean="0"/>
+              <a:t>page</a:t>
+            </a:r>
             <a:endParaRPr lang="en-US" dirty="0" smtClean="0"/>
           </a:p>
           <a:p>
             <a:r>
-              <a:rPr lang="en-US" dirty="0" smtClean="0"/>
-              <a:t>Block – needs a new row for itself</a:t>
-            </a:r>
-          </a:p>
-          <a:p>
-            <a:r>
-              <a:rPr lang="en-US" dirty="0" smtClean="0"/>
-              <a:t>Inline – used for elements that are displayed in-line, such as a link or perhaps a small picture</a:t>
-            </a:r>
-          </a:p>
-          <a:p>
-            <a:r>
-              <a:rPr lang="en-US" dirty="0" smtClean="0"/>
-              <a:t>None – hides an element</a:t>
-            </a:r>
+              <a:rPr lang="en-US" b="1" dirty="0" smtClean="0"/>
+              <a:t>Block</a:t>
+            </a:r>
+            <a:r>
+              <a:rPr lang="en-US" dirty="0" smtClean="0"/>
+              <a:t> </a:t>
+            </a:r>
+            <a:r>
+              <a:rPr lang="en-US" dirty="0" smtClean="0"/>
+              <a:t>– needs </a:t>
+            </a:r>
+            <a:r>
+              <a:rPr lang="en-US" dirty="0" smtClean="0"/>
+              <a:t>a new row for </a:t>
+            </a:r>
+            <a:r>
+              <a:rPr lang="en-US" dirty="0" smtClean="0"/>
+              <a:t>itself</a:t>
+            </a:r>
+          </a:p>
+          <a:p>
+            <a:pPr marL="457046" lvl="1" indent="0">
+              <a:buNone/>
+            </a:pPr>
+            <a:r>
+              <a:rPr lang="en-US" dirty="0" smtClean="0"/>
+              <a:t>&lt;p&gt; &lt;div&gt; &lt;form&gt; &lt;h1&gt;</a:t>
+            </a:r>
+          </a:p>
+          <a:p>
+            <a:r>
+              <a:rPr lang="en-US" b="1" dirty="0" smtClean="0"/>
+              <a:t>Inline</a:t>
+            </a:r>
+            <a:r>
+              <a:rPr lang="en-US" dirty="0" smtClean="0"/>
+              <a:t> – used for elements that are displayed in-line</a:t>
+            </a:r>
+          </a:p>
+          <a:p>
+            <a:pPr marL="457046" lvl="1" indent="0">
+              <a:buNone/>
+            </a:pPr>
+            <a:r>
+              <a:rPr lang="en-US" dirty="0" smtClean="0"/>
+              <a:t>&lt;span&gt; &lt;a&gt; &lt;b&gt;</a:t>
+            </a:r>
+            <a:endParaRPr lang="en-US" dirty="0" smtClean="0"/>
+          </a:p>
+          <a:p>
+            <a:r>
+              <a:rPr lang="en-US" b="1" dirty="0" smtClean="0"/>
+              <a:t>None</a:t>
+            </a:r>
+            <a:r>
+              <a:rPr lang="en-US" dirty="0" smtClean="0"/>
+              <a:t> – hides an element on the page</a:t>
+            </a:r>
+          </a:p>
+          <a:p>
             <a:endParaRPr lang="en-US" dirty="0" smtClean="0"/>
           </a:p>
         </p:txBody>
@@ -4296,7 +4827,7 @@
   <p:timing>
     <p:tnLst>
       <p:par>
-        <p:cTn id="1" dur="indefinite" restart="never" nodeType="tmRoot"/>
+        <p:cTn xmlns:p14="http://schemas.microsoft.com/office/powerpoint/2010/main" id="1" dur="indefinite" restart="never" nodeType="tmRoot"/>
       </p:par>
     </p:tnLst>
   </p:timing>
@@ -4374,19 +4905,60 @@
           <a:p>
             <a:r>
               <a:rPr lang="en-US" dirty="0" smtClean="0"/>
-              <a:t>Relative – relative to where its default position</a:t>
-            </a:r>
-          </a:p>
-          <a:p>
-            <a:r>
-              <a:rPr lang="en-US" dirty="0" smtClean="0"/>
-              <a:t>Fixed – relative to the browser window</a:t>
-            </a:r>
-          </a:p>
-          <a:p>
-            <a:r>
-              <a:rPr lang="en-US" dirty="0" smtClean="0"/>
-              <a:t>Absolute – relative to its first positioned parent element</a:t>
+              <a:t>Relative – relative to where its default </a:t>
+            </a:r>
+            <a:r>
+              <a:rPr lang="en-US" dirty="0" smtClean="0"/>
+              <a:t>position would be</a:t>
+            </a:r>
+          </a:p>
+          <a:p>
+            <a:pPr marL="457046" lvl="1" indent="0">
+              <a:buNone/>
+            </a:pPr>
+            <a:r>
+              <a:rPr lang="en-US" dirty="0" smtClean="0"/>
+              <a:t>If you want something to move a little to the left/right</a:t>
+            </a:r>
+            <a:endParaRPr lang="en-US" dirty="0" smtClean="0"/>
+          </a:p>
+          <a:p>
+            <a:r>
+              <a:rPr lang="en-US" dirty="0" smtClean="0"/>
+              <a:t>Fixed – relative to the browser </a:t>
+            </a:r>
+            <a:r>
+              <a:rPr lang="en-US" dirty="0" smtClean="0"/>
+              <a:t>window</a:t>
+            </a:r>
+          </a:p>
+          <a:p>
+            <a:pPr marL="457046" lvl="1" indent="0">
+              <a:buNone/>
+            </a:pPr>
+            <a:r>
+              <a:rPr lang="en-US" dirty="0" smtClean="0"/>
+              <a:t>Used for headers that move with you as you scroll</a:t>
+            </a:r>
+            <a:endParaRPr lang="en-US" dirty="0" smtClean="0"/>
+          </a:p>
+          <a:p>
+            <a:r>
+              <a:rPr lang="en-US" dirty="0" smtClean="0"/>
+              <a:t>Absolute – relative to its first positioned parent </a:t>
+            </a:r>
+            <a:r>
+              <a:rPr lang="en-US" dirty="0" smtClean="0"/>
+              <a:t>element</a:t>
+            </a:r>
+          </a:p>
+          <a:p>
+            <a:pPr marL="457046" lvl="1" indent="0">
+              <a:buNone/>
+            </a:pPr>
+            <a:r>
+              <a:rPr lang="en-US" dirty="0" smtClean="0"/>
+              <a:t>For elements you want to give an exact position to</a:t>
             </a:r>
             <a:endParaRPr lang="en-US" dirty="0"/>
           </a:p>
@@ -4405,7 +4977,7 @@
   <p:timing>
     <p:tnLst>
       <p:par>
-        <p:cTn id="1" dur="indefinite" restart="never" nodeType="tmRoot"/>
+        <p:cTn xmlns:p14="http://schemas.microsoft.com/office/powerpoint/2010/main" id="1" dur="indefinite" restart="never" nodeType="tmRoot"/>
       </p:par>
     </p:tnLst>
   </p:timing>
@@ -4431,12 +5003,12 @@
       </p:grpSpPr>
       <p:sp>
         <p:nvSpPr>
-          <p:cNvPr id="5" name="Text Placeholder 4"/>
+          <p:cNvPr id="4" name="Title 3"/>
           <p:cNvSpPr>
             <a:spLocks noGrp="1"/>
           </p:cNvSpPr>
           <p:nvPr>
-            <p:ph type="body" sz="quarter" idx="10"/>
+            <p:ph type="title"/>
           </p:nvPr>
         </p:nvSpPr>
         <p:spPr/>
@@ -4446,27 +5018,8 @@
           <a:p>
             <a:r>
               <a:rPr lang="en-US" dirty="0" smtClean="0"/>
-              <a:t>The CSS Box Model</a:t>
-            </a:r>
-            <a:endParaRPr lang="en-US" dirty="0"/>
-          </a:p>
-        </p:txBody>
-      </p:sp>
-      <p:sp>
-        <p:nvSpPr>
-          <p:cNvPr id="4" name="Subtitle 3"/>
-          <p:cNvSpPr>
-            <a:spLocks noGrp="1"/>
-          </p:cNvSpPr>
-          <p:nvPr>
-            <p:ph type="subTitle" idx="1"/>
-          </p:nvPr>
-        </p:nvSpPr>
-        <p:spPr/>
-        <p:txBody>
-          <a:bodyPr/>
-          <a:lstStyle/>
-          <a:p>
+              <a:t>Positioning</a:t>
+            </a:r>
             <a:endParaRPr lang="en-US" dirty="0"/>
           </a:p>
         </p:txBody>
@@ -4474,7 +5027,7 @@
     </p:spTree>
     <p:extLst>
       <p:ext uri="{BB962C8B-B14F-4D97-AF65-F5344CB8AC3E}">
-        <p14:creationId xmlns:p14="http://schemas.microsoft.com/office/powerpoint/2010/main" val="2589891639"/>
+        <p14:creationId xmlns:p14="http://schemas.microsoft.com/office/powerpoint/2010/main" val="1470520246"/>
       </p:ext>
     </p:extLst>
   </p:cSld>
@@ -4484,7 +5037,7 @@
   <p:timing>
     <p:tnLst>
       <p:par>
-        <p:cTn id="1" dur="indefinite" restart="never" nodeType="tmRoot"/>
+        <p:cTn xmlns:p14="http://schemas.microsoft.com/office/powerpoint/2010/main" id="1" dur="indefinite" restart="never" nodeType="tmRoot"/>
       </p:par>
     </p:tnLst>
   </p:timing>
@@ -4510,12 +5063,12 @@
       </p:grpSpPr>
       <p:sp>
         <p:nvSpPr>
-          <p:cNvPr id="4" name="Title 3"/>
+          <p:cNvPr id="5" name="Text Placeholder 4"/>
           <p:cNvSpPr>
             <a:spLocks noGrp="1"/>
           </p:cNvSpPr>
           <p:nvPr>
-            <p:ph type="title"/>
+            <p:ph type="body" sz="quarter" idx="10"/>
           </p:nvPr>
         </p:nvSpPr>
         <p:spPr/>
@@ -4525,7 +5078,7 @@
           <a:p>
             <a:r>
               <a:rPr lang="en-US" dirty="0" smtClean="0"/>
-              <a:t>Basic element selection</a:t>
+              <a:t>The CSS Box Model</a:t>
             </a:r>
             <a:endParaRPr lang="en-US" dirty="0"/>
           </a:p>
@@ -4533,106 +5086,27 @@
       </p:sp>
       <p:sp>
         <p:nvSpPr>
-          <p:cNvPr id="5" name="Content Placeholder 4"/>
+          <p:cNvPr id="4" name="Subtitle 3"/>
           <p:cNvSpPr>
             <a:spLocks noGrp="1"/>
           </p:cNvSpPr>
           <p:nvPr>
-            <p:ph sz="quarter" idx="10"/>
-          </p:nvPr>
-        </p:nvSpPr>
-        <p:spPr>
-          <a:xfrm>
-            <a:off x="378696" y="1108598"/>
-            <a:ext cx="11525250" cy="5290388"/>
-          </a:xfrm>
-        </p:spPr>
+            <p:ph type="subTitle" idx="1"/>
+          </p:nvPr>
+        </p:nvSpPr>
+        <p:spPr/>
         <p:txBody>
           <a:bodyPr/>
           <a:lstStyle/>
           <a:p>
-            <a:r>
-              <a:rPr lang="en-US" dirty="0" smtClean="0"/>
-              <a:t>Margin – </a:t>
-            </a:r>
-            <a:r>
-              <a:rPr lang="en-US" dirty="0" smtClean="0"/>
-              <a:t>space </a:t>
-            </a:r>
-            <a:r>
-              <a:rPr lang="en-US" dirty="0" smtClean="0"/>
-              <a:t>around an element</a:t>
-            </a:r>
-          </a:p>
-          <a:p>
-            <a:r>
-              <a:rPr lang="en-US" dirty="0" smtClean="0"/>
-              <a:t>Border – visible border around element</a:t>
-            </a:r>
-          </a:p>
-          <a:p>
-            <a:r>
-              <a:rPr lang="en-US" dirty="0" smtClean="0"/>
-              <a:t>Padding – space within an element</a:t>
-            </a:r>
-          </a:p>
-          <a:p>
-            <a:endParaRPr lang="en-US" dirty="0" smtClean="0"/>
-          </a:p>
-          <a:p>
-            <a:r>
-              <a:rPr lang="en-US" dirty="0" smtClean="0"/>
-              <a:t>Box Sizing </a:t>
-            </a:r>
             <a:endParaRPr lang="en-US" dirty="0"/>
           </a:p>
         </p:txBody>
       </p:sp>
-      <p:pic>
-        <p:nvPicPr>
-          <p:cNvPr id="1026" name="Picture 2" descr="CSS box-model"/>
-          <p:cNvPicPr>
-            <a:picLocks noChangeAspect="1" noChangeArrowheads="1"/>
-          </p:cNvPicPr>
-          <p:nvPr/>
-        </p:nvPicPr>
-        <p:blipFill>
-          <a:blip r:embed="rId2">
-            <a:extLst>
-              <a:ext uri="{28A0092B-C50C-407E-A947-70E740481C1C}">
-                <a14:useLocalDpi xmlns:a14="http://schemas.microsoft.com/office/drawing/2010/main" val="0"/>
-              </a:ext>
-            </a:extLst>
-          </a:blip>
-          <a:srcRect/>
-          <a:stretch>
-            <a:fillRect/>
-          </a:stretch>
-        </p:blipFill>
-        <p:spPr bwMode="auto">
-          <a:xfrm>
-            <a:off x="6141321" y="3544661"/>
-            <a:ext cx="5105400" cy="2752725"/>
-          </a:xfrm>
-          <a:prstGeom prst="rect">
-            <a:avLst/>
-          </a:prstGeom>
-          <a:noFill/>
-          <a:extLst>
-            <a:ext uri="{909E8E84-426E-40DD-AFC4-6F175D3DCCD1}">
-              <a14:hiddenFill xmlns:a14="http://schemas.microsoft.com/office/drawing/2010/main">
-                <a:solidFill>
-                  <a:srgbClr val="FFFFFF"/>
-                </a:solidFill>
-              </a14:hiddenFill>
-            </a:ext>
-          </a:extLst>
-        </p:spPr>
-      </p:pic>
     </p:spTree>
     <p:extLst>
       <p:ext uri="{BB962C8B-B14F-4D97-AF65-F5344CB8AC3E}">
-        <p14:creationId xmlns:p14="http://schemas.microsoft.com/office/powerpoint/2010/main" val="3924482583"/>
+        <p14:creationId xmlns:p14="http://schemas.microsoft.com/office/powerpoint/2010/main" val="2589891639"/>
       </p:ext>
     </p:extLst>
   </p:cSld>
@@ -4642,7 +5116,7 @@
   <p:timing>
     <p:tnLst>
       <p:par>
-        <p:cTn id="1" dur="indefinite" restart="never" nodeType="tmRoot"/>
+        <p:cTn xmlns:p14="http://schemas.microsoft.com/office/powerpoint/2010/main" id="1" dur="indefinite" restart="never" nodeType="tmRoot"/>
       </p:par>
     </p:tnLst>
   </p:timing>
@@ -4668,12 +5142,12 @@
       </p:grpSpPr>
       <p:sp>
         <p:nvSpPr>
-          <p:cNvPr id="5" name="Text Placeholder 4"/>
+          <p:cNvPr id="4" name="Title 3"/>
           <p:cNvSpPr>
             <a:spLocks noGrp="1"/>
           </p:cNvSpPr>
           <p:nvPr>
-            <p:ph type="body" sz="quarter" idx="10"/>
+            <p:ph type="title"/>
           </p:nvPr>
         </p:nvSpPr>
         <p:spPr/>
@@ -4683,7 +5157,7 @@
           <a:p>
             <a:r>
               <a:rPr lang="en-US" dirty="0" smtClean="0"/>
-              <a:t>Elements interacting</a:t>
+              <a:t>CSS Box Model</a:t>
             </a:r>
             <a:endParaRPr lang="en-US" dirty="0"/>
           </a:p>
@@ -4691,19 +5165,299 @@
       </p:sp>
       <p:sp>
         <p:nvSpPr>
-          <p:cNvPr id="4" name="Subtitle 3"/>
+          <p:cNvPr id="5" name="Content Placeholder 4"/>
           <p:cNvSpPr>
             <a:spLocks noGrp="1"/>
           </p:cNvSpPr>
           <p:nvPr>
-            <p:ph type="subTitle" idx="1"/>
-          </p:nvPr>
-        </p:nvSpPr>
-        <p:spPr/>
+            <p:ph sz="quarter" idx="10"/>
+          </p:nvPr>
+        </p:nvSpPr>
+        <p:spPr>
+          <a:xfrm>
+            <a:off x="378696" y="1108598"/>
+            <a:ext cx="11525250" cy="5290388"/>
+          </a:xfrm>
+        </p:spPr>
         <p:txBody>
           <a:bodyPr/>
           <a:lstStyle/>
           <a:p>
+            <a:r>
+              <a:rPr lang="en-US" dirty="0" smtClean="0"/>
+              <a:t>Margin – space </a:t>
+            </a:r>
+            <a:r>
+              <a:rPr lang="en-US" dirty="0" smtClean="0"/>
+              <a:t>outside/around </a:t>
+            </a:r>
+            <a:r>
+              <a:rPr lang="en-US" dirty="0" smtClean="0"/>
+              <a:t>an element</a:t>
+            </a:r>
+          </a:p>
+          <a:p>
+            <a:r>
+              <a:rPr lang="en-US" dirty="0" smtClean="0"/>
+              <a:t>Border – visible border around element</a:t>
+            </a:r>
+          </a:p>
+          <a:p>
+            <a:r>
+              <a:rPr lang="en-US" dirty="0" smtClean="0"/>
+              <a:t>Padding – space within an </a:t>
+            </a:r>
+            <a:r>
+              <a:rPr lang="en-US" dirty="0" smtClean="0"/>
+              <a:t>element, but outside the content </a:t>
+            </a:r>
+            <a:endParaRPr lang="en-US" dirty="0" smtClean="0"/>
+          </a:p>
+          <a:p>
+            <a:endParaRPr lang="en-US" dirty="0" smtClean="0"/>
+          </a:p>
+          <a:p>
+            <a:pPr marL="0" indent="0">
+              <a:buNone/>
+            </a:pPr>
+            <a:endParaRPr lang="en-US" dirty="0"/>
+          </a:p>
+        </p:txBody>
+      </p:sp>
+      <p:sp>
+        <p:nvSpPr>
+          <p:cNvPr id="2" name="Rectangle 1"/>
+          <p:cNvSpPr/>
+          <p:nvPr/>
+        </p:nvSpPr>
+        <p:spPr>
+          <a:xfrm>
+            <a:off x="2943975" y="3309930"/>
+            <a:ext cx="5830224" cy="3386903"/>
+          </a:xfrm>
+          <a:prstGeom prst="rect">
+            <a:avLst/>
+          </a:prstGeom>
+          <a:ln>
+            <a:prstDash val="dot"/>
+          </a:ln>
+        </p:spPr>
+        <p:style>
+          <a:lnRef idx="2">
+            <a:schemeClr val="accent1"/>
+          </a:lnRef>
+          <a:fillRef idx="1">
+            <a:schemeClr val="lt1"/>
+          </a:fillRef>
+          <a:effectRef idx="0">
+            <a:schemeClr val="accent1"/>
+          </a:effectRef>
+          <a:fontRef idx="minor">
+            <a:schemeClr val="dk1"/>
+          </a:fontRef>
+        </p:style>
+        <p:txBody>
+          <a:bodyPr rtlCol="0" anchor="ctr"/>
+          <a:lstStyle/>
+          <a:p>
+            <a:pPr algn="ctr"/>
+            <a:endParaRPr lang="en-US" dirty="0"/>
+          </a:p>
+        </p:txBody>
+      </p:sp>
+      <p:sp>
+        <p:nvSpPr>
+          <p:cNvPr id="3" name="Rectangle 2"/>
+          <p:cNvSpPr/>
+          <p:nvPr/>
+        </p:nvSpPr>
+        <p:spPr>
+          <a:xfrm>
+            <a:off x="3463500" y="3660594"/>
+            <a:ext cx="4830512" cy="2651365"/>
+          </a:xfrm>
+          <a:prstGeom prst="rect">
+            <a:avLst/>
+          </a:prstGeom>
+          <a:ln w="76200" cmpd="sng"/>
+        </p:spPr>
+        <p:style>
+          <a:lnRef idx="2">
+            <a:schemeClr val="accent1"/>
+          </a:lnRef>
+          <a:fillRef idx="1">
+            <a:schemeClr val="lt1"/>
+          </a:fillRef>
+          <a:effectRef idx="0">
+            <a:schemeClr val="accent1"/>
+          </a:effectRef>
+          <a:fontRef idx="minor">
+            <a:schemeClr val="dk1"/>
+          </a:fontRef>
+        </p:style>
+        <p:txBody>
+          <a:bodyPr rtlCol="0" anchor="ctr"/>
+          <a:lstStyle/>
+          <a:p>
+            <a:pPr algn="ctr"/>
+            <a:endParaRPr lang="en-US" dirty="0"/>
+          </a:p>
+        </p:txBody>
+      </p:sp>
+      <p:sp>
+        <p:nvSpPr>
+          <p:cNvPr id="6" name="Rectangle 5"/>
+          <p:cNvSpPr/>
+          <p:nvPr/>
+        </p:nvSpPr>
+        <p:spPr>
+          <a:xfrm>
+            <a:off x="4117716" y="4252874"/>
+            <a:ext cx="3425018" cy="1481772"/>
+          </a:xfrm>
+          <a:prstGeom prst="rect">
+            <a:avLst/>
+          </a:prstGeom>
+          <a:gradFill flip="none" rotWithShape="1">
+            <a:gsLst>
+              <a:gs pos="0">
+                <a:schemeClr val="accent1">
+                  <a:tint val="50000"/>
+                  <a:satMod val="300000"/>
+                </a:schemeClr>
+              </a:gs>
+              <a:gs pos="35000">
+                <a:schemeClr val="accent1">
+                  <a:tint val="37000"/>
+                  <a:satMod val="300000"/>
+                </a:schemeClr>
+              </a:gs>
+              <a:gs pos="100000">
+                <a:schemeClr val="accent1">
+                  <a:tint val="15000"/>
+                  <a:satMod val="350000"/>
+                </a:schemeClr>
+              </a:gs>
+            </a:gsLst>
+            <a:lin ang="16200000" scaled="1"/>
+            <a:tileRect/>
+          </a:gradFill>
+          <a:ln>
+            <a:prstDash val="dot"/>
+          </a:ln>
+        </p:spPr>
+        <p:style>
+          <a:lnRef idx="1">
+            <a:schemeClr val="accent1"/>
+          </a:lnRef>
+          <a:fillRef idx="2">
+            <a:schemeClr val="accent1"/>
+          </a:fillRef>
+          <a:effectRef idx="1">
+            <a:schemeClr val="accent1"/>
+          </a:effectRef>
+          <a:fontRef idx="minor">
+            <a:schemeClr val="dk1"/>
+          </a:fontRef>
+        </p:style>
+        <p:txBody>
+          <a:bodyPr rtlCol="0" anchor="ctr"/>
+          <a:lstStyle/>
+          <a:p>
+            <a:pPr algn="ctr"/>
+            <a:r>
+              <a:rPr lang="en-US" dirty="0" smtClean="0"/>
+              <a:t>content</a:t>
+            </a:r>
+            <a:endParaRPr lang="en-US" dirty="0"/>
+          </a:p>
+        </p:txBody>
+      </p:sp>
+      <p:sp>
+        <p:nvSpPr>
+          <p:cNvPr id="8" name="TextBox 7"/>
+          <p:cNvSpPr txBox="1"/>
+          <p:nvPr/>
+        </p:nvSpPr>
+        <p:spPr>
+          <a:xfrm>
+            <a:off x="2943975" y="6331202"/>
+            <a:ext cx="1500850" cy="369332"/>
+          </a:xfrm>
+          <a:prstGeom prst="rect">
+            <a:avLst/>
+          </a:prstGeom>
+          <a:noFill/>
+        </p:spPr>
+        <p:txBody>
+          <a:bodyPr wrap="square" rtlCol="0">
+            <a:spAutoFit/>
+          </a:bodyPr>
+          <a:lstStyle/>
+          <a:p>
+            <a:r>
+              <a:rPr lang="en-US" dirty="0" smtClean="0"/>
+              <a:t>margin</a:t>
+            </a:r>
+            <a:endParaRPr lang="en-US" dirty="0"/>
+          </a:p>
+        </p:txBody>
+      </p:sp>
+      <p:sp>
+        <p:nvSpPr>
+          <p:cNvPr id="9" name="TextBox 8"/>
+          <p:cNvSpPr txBox="1"/>
+          <p:nvPr/>
+        </p:nvSpPr>
+        <p:spPr>
+          <a:xfrm>
+            <a:off x="7292590" y="5830863"/>
+            <a:ext cx="1154500" cy="369332"/>
+          </a:xfrm>
+          <a:prstGeom prst="rect">
+            <a:avLst/>
+          </a:prstGeom>
+          <a:noFill/>
+        </p:spPr>
+        <p:txBody>
+          <a:bodyPr wrap="square" rtlCol="0">
+            <a:spAutoFit/>
+          </a:bodyPr>
+          <a:lstStyle/>
+          <a:p>
+            <a:r>
+              <a:rPr lang="en-US" dirty="0" smtClean="0"/>
+              <a:t>padding</a:t>
+            </a:r>
+            <a:endParaRPr lang="en-US" dirty="0"/>
+          </a:p>
+        </p:txBody>
+      </p:sp>
+      <p:sp>
+        <p:nvSpPr>
+          <p:cNvPr id="10" name="Rectangle 9"/>
+          <p:cNvSpPr/>
+          <p:nvPr/>
+        </p:nvSpPr>
+        <p:spPr>
+          <a:xfrm>
+            <a:off x="5280033" y="5953913"/>
+            <a:ext cx="954266" cy="377288"/>
+          </a:xfrm>
+          <a:prstGeom prst="rect">
+            <a:avLst/>
+          </a:prstGeom>
+        </p:spPr>
+        <p:txBody>
+          <a:bodyPr wrap="square">
+            <a:spAutoFit/>
+          </a:bodyPr>
+          <a:lstStyle/>
+          <a:p>
+            <a:r>
+              <a:rPr lang="en-US" dirty="0" smtClean="0"/>
+              <a:t>border</a:t>
+            </a:r>
             <a:endParaRPr lang="en-US" dirty="0"/>
           </a:p>
         </p:txBody>
@@ -4711,7 +5465,7 @@
     </p:spTree>
     <p:extLst>
       <p:ext uri="{BB962C8B-B14F-4D97-AF65-F5344CB8AC3E}">
-        <p14:creationId xmlns:p14="http://schemas.microsoft.com/office/powerpoint/2010/main" val="1051020449"/>
+        <p14:creationId xmlns:p14="http://schemas.microsoft.com/office/powerpoint/2010/main" val="3924482583"/>
       </p:ext>
     </p:extLst>
   </p:cSld>
@@ -4721,7 +5475,7 @@
   <p:timing>
     <p:tnLst>
       <p:par>
-        <p:cTn id="1" dur="indefinite" restart="never" nodeType="tmRoot"/>
+        <p:cTn xmlns:p14="http://schemas.microsoft.com/office/powerpoint/2010/main" id="1" dur="indefinite" restart="never" nodeType="tmRoot"/>
       </p:par>
     </p:tnLst>
   </p:timing>
@@ -4747,12 +5501,12 @@
       </p:grpSpPr>
       <p:sp>
         <p:nvSpPr>
-          <p:cNvPr id="2" name="Title 1"/>
+          <p:cNvPr id="5" name="Text Placeholder 4"/>
           <p:cNvSpPr>
             <a:spLocks noGrp="1"/>
           </p:cNvSpPr>
           <p:nvPr>
-            <p:ph type="title"/>
+            <p:ph type="body" sz="quarter" idx="10"/>
           </p:nvPr>
         </p:nvSpPr>
         <p:spPr/>
@@ -4762,15 +5516,7 @@
           <a:p>
             <a:r>
               <a:rPr lang="en-US" dirty="0" smtClean="0"/>
-              <a:t>The </a:t>
-            </a:r>
-            <a:r>
-              <a:rPr lang="en-US" i="1" dirty="0" smtClean="0"/>
-              <a:t>float </a:t>
-            </a:r>
-            <a:r>
-              <a:rPr lang="en-US" dirty="0" smtClean="0"/>
-              <a:t>property</a:t>
+              <a:t>Elements interacting</a:t>
             </a:r>
             <a:endParaRPr lang="en-US" dirty="0"/>
           </a:p>
@@ -4778,12 +5524,12 @@
       </p:sp>
       <p:sp>
         <p:nvSpPr>
-          <p:cNvPr id="3" name="Content Placeholder 2"/>
+          <p:cNvPr id="4" name="Subtitle 3"/>
           <p:cNvSpPr>
             <a:spLocks noGrp="1"/>
           </p:cNvSpPr>
           <p:nvPr>
-            <p:ph sz="quarter" idx="10"/>
+            <p:ph type="subTitle" idx="1"/>
           </p:nvPr>
         </p:nvSpPr>
         <p:spPr/>
@@ -4791,55 +5537,6 @@
           <a:bodyPr/>
           <a:lstStyle/>
           <a:p>
-            <a:r>
-              <a:rPr lang="en-US" dirty="0" smtClean="0"/>
-              <a:t>Doesn’t apply to absolute positioned elements</a:t>
-            </a:r>
-          </a:p>
-          <a:p>
-            <a:r>
-              <a:rPr lang="en-US" dirty="0" smtClean="0"/>
-              <a:t>Allows other elements to flow around</a:t>
-            </a:r>
-          </a:p>
-          <a:p>
-            <a:endParaRPr lang="en-US" dirty="0"/>
-          </a:p>
-          <a:p>
-            <a:r>
-              <a:rPr lang="en-US" dirty="0" smtClean="0"/>
-              <a:t>Allows elements to be positioned on the same row</a:t>
-            </a:r>
-          </a:p>
-          <a:p>
-            <a:endParaRPr lang="en-US" dirty="0"/>
-          </a:p>
-          <a:p>
-            <a:r>
-              <a:rPr lang="en-US" dirty="0" smtClean="0"/>
-              <a:t>Use </a:t>
-            </a:r>
-            <a:r>
-              <a:rPr lang="en-US" i="1" dirty="0" smtClean="0"/>
-              <a:t>clear </a:t>
-            </a:r>
-            <a:r>
-              <a:rPr lang="en-US" dirty="0" smtClean="0"/>
-              <a:t>to reset</a:t>
-            </a:r>
-            <a:endParaRPr lang="en-US" dirty="0"/>
-          </a:p>
-          <a:p>
-            <a:endParaRPr lang="en-US" dirty="0" smtClean="0"/>
-          </a:p>
-          <a:p>
-            <a:pPr marL="0" indent="0">
-              <a:buNone/>
-            </a:pPr>
-            <a:r>
-              <a:rPr lang="en-US" dirty="0" smtClean="0"/>
-              <a:t> </a:t>
-            </a:r>
             <a:endParaRPr lang="en-US" dirty="0"/>
           </a:p>
         </p:txBody>
@@ -4847,7 +5544,7 @@
     </p:spTree>
     <p:extLst>
       <p:ext uri="{BB962C8B-B14F-4D97-AF65-F5344CB8AC3E}">
-        <p14:creationId xmlns:p14="http://schemas.microsoft.com/office/powerpoint/2010/main" val="2056110900"/>
+        <p14:creationId xmlns:p14="http://schemas.microsoft.com/office/powerpoint/2010/main" val="1051020449"/>
       </p:ext>
     </p:extLst>
   </p:cSld>
@@ -4857,7 +5554,7 @@
   <p:timing>
     <p:tnLst>
       <p:par>
-        <p:cTn id="1" dur="indefinite" restart="never" nodeType="tmRoot"/>
+        <p:cTn xmlns:p14="http://schemas.microsoft.com/office/powerpoint/2010/main" id="1" dur="indefinite" restart="never" nodeType="tmRoot"/>
       </p:par>
     </p:tnLst>
   </p:timing>
@@ -5192,7 +5889,7 @@
     </a:clrScheme>
     <a:fontScheme name="Office">
       <a:majorFont>
-        <a:latin typeface="Calibri Light" panose="020F0302020204030204"/>
+        <a:latin typeface="Calibri Light"/>
         <a:ea typeface=""/>
         <a:cs typeface=""/>
         <a:font script="Jpan" typeface="ＭＳ Ｐゴシック"/>
@@ -5227,7 +5924,7 @@
         <a:font script="Geor" typeface="Sylfaen"/>
       </a:majorFont>
       <a:minorFont>
-        <a:latin typeface="Calibri" panose="020F0502020204030204"/>
+        <a:latin typeface="Calibri"/>
         <a:ea typeface=""/>
         <a:cs typeface=""/>
         <a:font script="Jpan" typeface="ＭＳ Ｐゴシック"/>
@@ -5404,7 +6101,7 @@
   <a:extraClrSchemeLst/>
   <a:extLst>
     <a:ext uri="{05A4C25C-085E-4340-85A3-A5531E510DB2}">
-      <thm15:themeFamily xmlns:thm15="http://schemas.microsoft.com/office/thememl/2012/main" name="Office Theme" id="{62F939B6-93AF-4DB8-9C6B-D6C7DFDC589F}" vid="{4A3C46E8-61CC-4603-A589-7422A47A8E4A}"/>
+      <thm15:themeFamily xmlns:thm15="http://schemas.microsoft.com/office/thememl/2012/main" xmlns="" name="Office Theme" id="{62F939B6-93AF-4DB8-9C6B-D6C7DFDC589F}" vid="{4A3C46E8-61CC-4603-A589-7422A47A8E4A}"/>
     </a:ext>
   </a:extLst>
 </a:theme>
@@ -5453,7 +6150,7 @@
     </a:clrScheme>
     <a:fontScheme name="Office">
       <a:majorFont>
-        <a:latin typeface="Calibri Light" panose="020F0302020204030204"/>
+        <a:latin typeface="Calibri Light"/>
         <a:ea typeface=""/>
         <a:cs typeface=""/>
         <a:font script="Jpan" typeface="ＭＳ Ｐゴシック"/>
@@ -5488,7 +6185,7 @@
         <a:font script="Geor" typeface="Sylfaen"/>
       </a:majorFont>
       <a:minorFont>
-        <a:latin typeface="Calibri" panose="020F0502020204030204"/>
+        <a:latin typeface="Calibri"/>
         <a:ea typeface=""/>
         <a:cs typeface=""/>
         <a:font script="Jpan" typeface="ＭＳ Ｐゴシック"/>
@@ -5665,7 +6362,7 @@
   <a:extraClrSchemeLst/>
   <a:extLst>
     <a:ext uri="{05A4C25C-085E-4340-85A3-A5531E510DB2}">
-      <thm15:themeFamily xmlns:thm15="http://schemas.microsoft.com/office/thememl/2012/main" name="Office Theme" id="{62F939B6-93AF-4DB8-9C6B-D6C7DFDC589F}" vid="{4A3C46E8-61CC-4603-A589-7422A47A8E4A}"/>
+      <thm15:themeFamily xmlns:thm15="http://schemas.microsoft.com/office/thememl/2012/main" xmlns="" name="Office Theme" id="{62F939B6-93AF-4DB8-9C6B-D6C7DFDC589F}" vid="{4A3C46E8-61CC-4603-A589-7422A47A8E4A}"/>
     </a:ext>
   </a:extLst>
 </a:theme>

--- a/Slides/Module 3.pptx
+++ b/Slides/Module 3.pptx
@@ -5,10 +5,10 @@
     <p:sldMasterId id="2147483660" r:id="rId4"/>
   </p:sldMasterIdLst>
   <p:notesMasterIdLst>
-    <p:notesMasterId r:id="rId18"/>
+    <p:notesMasterId r:id="rId20"/>
   </p:notesMasterIdLst>
   <p:handoutMasterIdLst>
-    <p:handoutMasterId r:id="rId19"/>
+    <p:handoutMasterId r:id="rId21"/>
   </p:handoutMasterIdLst>
   <p:sldIdLst>
     <p:sldId id="277" r:id="rId5"/>
@@ -19,11 +19,13 @@
     <p:sldId id="306" r:id="rId10"/>
     <p:sldId id="288" r:id="rId11"/>
     <p:sldId id="289" r:id="rId12"/>
-    <p:sldId id="304" r:id="rId13"/>
-    <p:sldId id="303" r:id="rId14"/>
-    <p:sldId id="307" r:id="rId15"/>
-    <p:sldId id="302" r:id="rId16"/>
-    <p:sldId id="269" r:id="rId17"/>
+    <p:sldId id="308" r:id="rId13"/>
+    <p:sldId id="304" r:id="rId14"/>
+    <p:sldId id="303" r:id="rId15"/>
+    <p:sldId id="309" r:id="rId16"/>
+    <p:sldId id="307" r:id="rId17"/>
+    <p:sldId id="302" r:id="rId18"/>
+    <p:sldId id="269" r:id="rId19"/>
   </p:sldIdLst>
   <p:sldSz cx="12192000" cy="6858000"/>
   <p:notesSz cx="6858000" cy="9144000"/>
@@ -124,10 +126,10 @@
   </p:defaultTextStyle>
   <p:extLst>
     <p:ext uri="{EFAFB233-063F-42B5-8137-9DF3F51BA10A}">
-      <p15:sldGuideLst xmlns:p15="http://schemas.microsoft.com/office/powerpoint/2012/main" xmlns=""/>
+      <p15:sldGuideLst xmlns="" xmlns:p15="http://schemas.microsoft.com/office/powerpoint/2012/main"/>
     </p:ext>
     <p:ext uri="{2D200454-40CA-4A62-9FC3-DE9A4176ACB9}">
-      <p15:notesGuideLst xmlns:p15="http://schemas.microsoft.com/office/powerpoint/2012/main" xmlns=""/>
+      <p15:notesGuideLst xmlns="" xmlns:p15="http://schemas.microsoft.com/office/powerpoint/2012/main"/>
     </p:ext>
   </p:extLst>
 </p:presentation>
@@ -215,7 +217,7 @@
           <a:p>
             <a:fld id="{312E7B4A-039C-48A2-9B2C-AF16AA3873D8}" type="datetimeFigureOut">
               <a:rPr lang="en-US" smtClean="0"/>
-              <a:t>12/1/14</a:t>
+              <a:t>12/3/14</a:t>
             </a:fld>
             <a:endParaRPr lang="en-US"/>
           </a:p>
@@ -380,7 +382,7 @@
           <a:p>
             <a:fld id="{DA005A0C-54D9-45AA-87D4-C551D08DFCE1}" type="datetimeFigureOut">
               <a:rPr lang="en-US" smtClean="0"/>
-              <a:t>12/1/14</a:t>
+              <a:t>12/3/14</a:t>
             </a:fld>
             <a:endParaRPr lang="en-US"/>
           </a:p>
@@ -1077,7 +1079,7 @@
           <a:p>
             <a:fld id="{4CFD207A-07DF-40AD-A916-9872E089CE7A}" type="slidenum">
               <a:rPr lang="en-US" smtClean="0"/>
-              <a:t>10</a:t>
+              <a:t>11</a:t>
             </a:fld>
             <a:endParaRPr lang="en-US"/>
           </a:p>
@@ -1161,7 +1163,91 @@
           <a:p>
             <a:fld id="{4CFD207A-07DF-40AD-A916-9872E089CE7A}" type="slidenum">
               <a:rPr lang="en-US" smtClean="0"/>
-              <a:t>11</a:t>
+              <a:t>12</a:t>
+            </a:fld>
+            <a:endParaRPr lang="en-US"/>
+          </a:p>
+        </p:txBody>
+      </p:sp>
+    </p:spTree>
+    <p:extLst>
+      <p:ext uri="{BB962C8B-B14F-4D97-AF65-F5344CB8AC3E}">
+        <p14:creationId xmlns:p14="http://schemas.microsoft.com/office/powerpoint/2010/main" val="2077088154"/>
+      </p:ext>
+    </p:extLst>
+  </p:cSld>
+  <p:clrMapOvr>
+    <a:masterClrMapping/>
+  </p:clrMapOvr>
+</p:notes>
+</file>
+
+<file path=ppt/notesSlides/notesSlide7.xml><?xml version="1.0" encoding="utf-8"?>
+<p:notes xmlns:a="http://schemas.openxmlformats.org/drawingml/2006/main" xmlns:r="http://schemas.openxmlformats.org/officeDocument/2006/relationships" xmlns:p="http://schemas.openxmlformats.org/presentationml/2006/main">
+  <p:cSld>
+    <p:spTree>
+      <p:nvGrpSpPr>
+        <p:cNvPr id="1" name=""/>
+        <p:cNvGrpSpPr/>
+        <p:nvPr/>
+      </p:nvGrpSpPr>
+      <p:grpSpPr>
+        <a:xfrm>
+          <a:off x="0" y="0"/>
+          <a:ext cx="0" cy="0"/>
+          <a:chOff x="0" y="0"/>
+          <a:chExt cx="0" cy="0"/>
+        </a:xfrm>
+      </p:grpSpPr>
+      <p:sp>
+        <p:nvSpPr>
+          <p:cNvPr id="2" name="Slide Image Placeholder 1"/>
+          <p:cNvSpPr>
+            <a:spLocks noGrp="1" noRot="1" noChangeAspect="1"/>
+          </p:cNvSpPr>
+          <p:nvPr>
+            <p:ph type="sldImg"/>
+          </p:nvPr>
+        </p:nvSpPr>
+        <p:spPr/>
+      </p:sp>
+      <p:sp>
+        <p:nvSpPr>
+          <p:cNvPr id="3" name="Notes Placeholder 2"/>
+          <p:cNvSpPr>
+            <a:spLocks noGrp="1"/>
+          </p:cNvSpPr>
+          <p:nvPr>
+            <p:ph type="body" idx="1"/>
+          </p:nvPr>
+        </p:nvSpPr>
+        <p:spPr/>
+        <p:txBody>
+          <a:bodyPr/>
+          <a:lstStyle/>
+          <a:p>
+            <a:endParaRPr lang="en-US" dirty="0"/>
+          </a:p>
+        </p:txBody>
+      </p:sp>
+      <p:sp>
+        <p:nvSpPr>
+          <p:cNvPr id="4" name="Slide Number Placeholder 3"/>
+          <p:cNvSpPr>
+            <a:spLocks noGrp="1"/>
+          </p:cNvSpPr>
+          <p:nvPr>
+            <p:ph type="sldNum" sz="quarter" idx="10"/>
+          </p:nvPr>
+        </p:nvSpPr>
+        <p:spPr/>
+        <p:txBody>
+          <a:bodyPr/>
+          <a:lstStyle/>
+          <a:p>
+            <a:fld id="{4CFD207A-07DF-40AD-A916-9872E089CE7A}" type="slidenum">
+              <a:rPr lang="en-US" smtClean="0"/>
+              <a:t>13</a:t>
             </a:fld>
             <a:endParaRPr lang="en-US"/>
           </a:p>
@@ -1574,7 +1660,7 @@
   </p:timing>
   <p:extLst mod="1">
     <p:ext uri="{DCECCB84-F9BA-43D5-87BE-67443E8EF086}">
-      <p15:sldGuideLst xmlns:p15="http://schemas.microsoft.com/office/powerpoint/2012/main" xmlns="">
+      <p15:sldGuideLst xmlns="" xmlns:p15="http://schemas.microsoft.com/office/powerpoint/2012/main">
         <p15:guide id="1" orient="horz" pos="3792">
           <p15:clr>
             <a:srgbClr val="FBAE40"/>
@@ -2233,7 +2319,7 @@
   </p:timing>
   <p:extLst mod="1">
     <p:ext uri="{DCECCB84-F9BA-43D5-87BE-67443E8EF086}">
-      <p15:sldGuideLst xmlns:p15="http://schemas.microsoft.com/office/powerpoint/2012/main" xmlns="">
+      <p15:sldGuideLst xmlns="" xmlns:p15="http://schemas.microsoft.com/office/powerpoint/2012/main">
         <p15:guide id="1" orient="horz" pos="2160">
           <p15:clr>
             <a:srgbClr val="FBAE40"/>
@@ -4025,12 +4111,12 @@
       </p:grpSpPr>
       <p:sp>
         <p:nvSpPr>
-          <p:cNvPr id="2" name="Title 1"/>
+          <p:cNvPr id="5" name="Text Placeholder 4"/>
           <p:cNvSpPr>
             <a:spLocks noGrp="1"/>
           </p:cNvSpPr>
           <p:nvPr>
-            <p:ph type="title"/>
+            <p:ph type="body" sz="quarter" idx="10"/>
           </p:nvPr>
         </p:nvSpPr>
         <p:spPr/>
@@ -4040,15 +4126,7 @@
           <a:p>
             <a:r>
               <a:rPr lang="en-US" dirty="0" smtClean="0"/>
-              <a:t>The </a:t>
-            </a:r>
-            <a:r>
-              <a:rPr lang="en-US" i="1" dirty="0" smtClean="0"/>
-              <a:t>float </a:t>
-            </a:r>
-            <a:r>
-              <a:rPr lang="en-US" dirty="0" smtClean="0"/>
-              <a:t>property</a:t>
+              <a:t>Elements interacting</a:t>
             </a:r>
             <a:endParaRPr lang="en-US" dirty="0"/>
           </a:p>
@@ -4056,12 +4134,12 @@
       </p:sp>
       <p:sp>
         <p:nvSpPr>
-          <p:cNvPr id="3" name="Content Placeholder 2"/>
+          <p:cNvPr id="4" name="Subtitle 3"/>
           <p:cNvSpPr>
             <a:spLocks noGrp="1"/>
           </p:cNvSpPr>
           <p:nvPr>
-            <p:ph sz="quarter" idx="10"/>
+            <p:ph type="subTitle" idx="1"/>
           </p:nvPr>
         </p:nvSpPr>
         <p:spPr/>
@@ -4069,200 +4147,14 @@
           <a:bodyPr/>
           <a:lstStyle/>
           <a:p>
-            <a:r>
-              <a:rPr lang="en-US" dirty="0"/>
-              <a:t>Allows other elements to flow around the element</a:t>
-            </a:r>
-          </a:p>
-          <a:p>
-            <a:r>
-              <a:rPr lang="en-US" dirty="0"/>
-              <a:t>Allows block elements to be positioned on the same </a:t>
-            </a:r>
-            <a:r>
-              <a:rPr lang="en-US" dirty="0" smtClean="0"/>
-              <a:t>row</a:t>
-            </a:r>
             <a:endParaRPr lang="en-US" dirty="0"/>
-          </a:p>
-          <a:p>
-            <a:pPr marL="0" indent="0">
-              <a:buNone/>
-            </a:pPr>
-            <a:r>
-              <a:rPr lang="en-US" sz="2400" dirty="0"/>
-              <a:t>*doesn’t apply to absolutely positioned elements</a:t>
-            </a:r>
-          </a:p>
-          <a:p>
-            <a:endParaRPr lang="en-US" dirty="0" smtClean="0"/>
-          </a:p>
-          <a:p>
-            <a:pPr marL="0" indent="0">
-              <a:buNone/>
-            </a:pPr>
-            <a:r>
-              <a:rPr lang="en-US" dirty="0" smtClean="0"/>
-              <a:t> </a:t>
-            </a:r>
-            <a:endParaRPr lang="en-US" dirty="0"/>
-          </a:p>
-        </p:txBody>
-      </p:sp>
-      <p:sp>
-        <p:nvSpPr>
-          <p:cNvPr id="7" name="TextBox 6"/>
-          <p:cNvSpPr txBox="1"/>
-          <p:nvPr/>
-        </p:nvSpPr>
-        <p:spPr>
-          <a:xfrm>
-            <a:off x="634973" y="3791133"/>
-            <a:ext cx="4560277" cy="2636288"/>
-          </a:xfrm>
-          <a:prstGeom prst="rect">
-            <a:avLst/>
-          </a:prstGeom>
-          <a:noFill/>
-        </p:spPr>
-        <p:txBody>
-          <a:bodyPr wrap="square" rtlCol="0">
-            <a:spAutoFit/>
-          </a:bodyPr>
-          <a:lstStyle/>
-          <a:p>
-            <a:r>
-              <a:rPr lang="en-US" sz="2000" dirty="0"/>
-              <a:t>Lorem ipsum </a:t>
-            </a:r>
-            <a:r>
-              <a:rPr lang="en-US" sz="2000" dirty="0" smtClean="0"/>
-              <a:t>dolor</a:t>
-            </a:r>
-          </a:p>
-          <a:p>
-            <a:r>
-              <a:rPr lang="en-US" sz="2000" dirty="0" smtClean="0"/>
-              <a:t> </a:t>
-            </a:r>
-            <a:r>
-              <a:rPr lang="en-US" sz="2000" dirty="0"/>
-              <a:t>sit amet, consectetur </a:t>
-            </a:r>
-            <a:endParaRPr lang="en-US" sz="2000" dirty="0" smtClean="0"/>
-          </a:p>
-          <a:p>
-            <a:r>
-              <a:rPr lang="en-US" sz="2000" dirty="0" smtClean="0"/>
-              <a:t>adipiscing </a:t>
-            </a:r>
-            <a:r>
-              <a:rPr lang="en-US" sz="2000" dirty="0"/>
-              <a:t>elit, sed </a:t>
-            </a:r>
-            <a:r>
-              <a:rPr lang="en-US" sz="2000" dirty="0" smtClean="0"/>
-              <a:t>do</a:t>
-            </a:r>
-          </a:p>
-          <a:p>
-            <a:r>
-              <a:rPr lang="en-US" sz="2000" dirty="0" smtClean="0"/>
-              <a:t> </a:t>
-            </a:r>
-            <a:r>
-              <a:rPr lang="en-US" sz="2000" dirty="0"/>
-              <a:t>eiusmod tempor </a:t>
-            </a:r>
-            <a:endParaRPr lang="en-US" sz="2000" dirty="0" smtClean="0"/>
-          </a:p>
-          <a:p>
-            <a:r>
-              <a:rPr lang="en-US" sz="2000" dirty="0" smtClean="0"/>
-              <a:t>incididunt </a:t>
-            </a:r>
-            <a:r>
-              <a:rPr lang="en-US" sz="2000" dirty="0"/>
-              <a:t>ut labore et dolore magna </a:t>
-            </a:r>
-            <a:endParaRPr lang="en-US" sz="2000" dirty="0" smtClean="0"/>
-          </a:p>
-          <a:p>
-            <a:r>
-              <a:rPr lang="en-US" sz="2000" dirty="0" smtClean="0"/>
-              <a:t>aliqua</a:t>
-            </a:r>
-            <a:r>
-              <a:rPr lang="en-US" sz="2000" dirty="0"/>
-              <a:t>. Ut enim ad minim veniam, quis </a:t>
-            </a:r>
-            <a:endParaRPr lang="en-US" sz="2000" dirty="0" smtClean="0"/>
-          </a:p>
-          <a:p>
-            <a:r>
-              <a:rPr lang="en-US" sz="2000" dirty="0" smtClean="0"/>
-              <a:t>nostrud </a:t>
-            </a:r>
-            <a:r>
-              <a:rPr lang="en-US" sz="2000" dirty="0"/>
-              <a:t>exercitation ullamco laboris nisi </a:t>
-            </a:r>
-            <a:endParaRPr lang="en-US" sz="2000" dirty="0" smtClean="0"/>
-          </a:p>
-          <a:p>
-            <a:r>
-              <a:rPr lang="en-US" sz="2000" dirty="0" smtClean="0"/>
-              <a:t>ut </a:t>
-            </a:r>
-            <a:r>
-              <a:rPr lang="en-US" sz="2000" dirty="0"/>
-              <a:t>aliquip ex ea commodo consequat. </a:t>
-            </a:r>
-          </a:p>
-        </p:txBody>
-      </p:sp>
-      <p:sp>
-        <p:nvSpPr>
-          <p:cNvPr id="6" name="Rectangle 5"/>
-          <p:cNvSpPr/>
-          <p:nvPr/>
-        </p:nvSpPr>
-        <p:spPr>
-          <a:xfrm>
-            <a:off x="3060713" y="3848755"/>
-            <a:ext cx="1807429" cy="1135383"/>
-          </a:xfrm>
-          <a:prstGeom prst="rect">
-            <a:avLst/>
-          </a:prstGeom>
-        </p:spPr>
-        <p:style>
-          <a:lnRef idx="1">
-            <a:schemeClr val="accent1"/>
-          </a:lnRef>
-          <a:fillRef idx="3">
-            <a:schemeClr val="accent1"/>
-          </a:fillRef>
-          <a:effectRef idx="2">
-            <a:schemeClr val="accent1"/>
-          </a:effectRef>
-          <a:fontRef idx="minor">
-            <a:schemeClr val="lt1"/>
-          </a:fontRef>
-        </p:style>
-        <p:txBody>
-          <a:bodyPr rtlCol="0" anchor="ctr"/>
-          <a:lstStyle/>
-          <a:p>
-            <a:pPr algn="ctr"/>
-            <a:endParaRPr lang="en-US"/>
           </a:p>
         </p:txBody>
       </p:sp>
     </p:spTree>
     <p:extLst>
       <p:ext uri="{BB962C8B-B14F-4D97-AF65-F5344CB8AC3E}">
-        <p14:creationId xmlns:p14="http://schemas.microsoft.com/office/powerpoint/2010/main" val="2056110900"/>
+        <p14:creationId xmlns:p14="http://schemas.microsoft.com/office/powerpoint/2010/main" val="1051020449"/>
       </p:ext>
     </p:extLst>
   </p:cSld>
@@ -4313,7 +4205,15 @@
           <a:p>
             <a:r>
               <a:rPr lang="en-US" dirty="0" smtClean="0"/>
-              <a:t>Taming the elements</a:t>
+              <a:t>The </a:t>
+            </a:r>
+            <a:r>
+              <a:rPr lang="en-US" i="1" dirty="0" smtClean="0"/>
+              <a:t>float </a:t>
+            </a:r>
+            <a:r>
+              <a:rPr lang="en-US" dirty="0" smtClean="0"/>
+              <a:t>property</a:t>
             </a:r>
             <a:endParaRPr lang="en-US" dirty="0"/>
           </a:p>
@@ -4335,47 +4235,218 @@
           <a:lstStyle/>
           <a:p>
             <a:r>
+              <a:rPr lang="en-US" dirty="0" smtClean="0"/>
+              <a:t>Horizontally anchors an element</a:t>
+            </a:r>
+          </a:p>
+          <a:p>
+            <a:r>
+              <a:rPr lang="en-US" dirty="0" smtClean="0"/>
+              <a:t>Allows </a:t>
+            </a:r>
+            <a:r>
               <a:rPr lang="en-US" dirty="0"/>
-              <a:t>Lining up multiple elements in one row </a:t>
-            </a:r>
-          </a:p>
-          <a:p>
-            <a:r>
-              <a:rPr lang="en-US" dirty="0" smtClean="0"/>
-              <a:t>What happens when a div is larger than its parent?</a:t>
-            </a:r>
-          </a:p>
-          <a:p>
-            <a:pPr marL="457046" lvl="1" indent="0">
+              <a:t>other elements to flow </a:t>
+            </a:r>
+            <a:r>
+              <a:rPr lang="en-US" dirty="0" smtClean="0"/>
+              <a:t>around</a:t>
+            </a:r>
+            <a:endParaRPr lang="en-US" dirty="0"/>
+          </a:p>
+          <a:p>
+            <a:r>
+              <a:rPr lang="en-US" dirty="0"/>
+              <a:t>Allows block elements to be positioned on the same </a:t>
+            </a:r>
+            <a:r>
+              <a:rPr lang="en-US" dirty="0" smtClean="0"/>
+              <a:t>row</a:t>
+            </a:r>
+            <a:endParaRPr lang="en-US" dirty="0"/>
+          </a:p>
+          <a:p>
+            <a:pPr marL="0" indent="0">
               <a:buNone/>
             </a:pPr>
             <a:r>
-              <a:rPr lang="en-US" dirty="0" smtClean="0"/>
-              <a:t>Clearfix – stretches the parent element to always include its children</a:t>
-            </a:r>
-          </a:p>
-          <a:p>
-            <a:r>
-              <a:rPr lang="en-US" dirty="0" smtClean="0"/>
-              <a:t>How to you make sure an element gets its own row?</a:t>
-            </a:r>
-          </a:p>
-          <a:p>
-            <a:pPr marL="457046" lvl="1" indent="0">
+              <a:rPr lang="en-US" sz="2400" dirty="0" smtClean="0"/>
+              <a:t>*</a:t>
+            </a:r>
+            <a:r>
+              <a:rPr lang="en-US" sz="2400" dirty="0"/>
+              <a:t>doesn’t apply to absolutely positioned elements</a:t>
+            </a:r>
+          </a:p>
+          <a:p>
+            <a:endParaRPr lang="en-US" dirty="0" smtClean="0"/>
+          </a:p>
+          <a:p>
+            <a:pPr marL="0" indent="0">
               <a:buNone/>
             </a:pPr>
             <a:r>
-              <a:rPr lang="en-US" smtClean="0"/>
-              <a:t>Clear – stops the element from floating around others</a:t>
-            </a:r>
-            <a:endParaRPr lang="en-US" dirty="0" smtClean="0"/>
+              <a:rPr lang="en-US" dirty="0" smtClean="0"/>
+              <a:t> </a:t>
+            </a:r>
+            <a:endParaRPr lang="en-US" dirty="0"/>
+          </a:p>
+        </p:txBody>
+      </p:sp>
+      <p:sp>
+        <p:nvSpPr>
+          <p:cNvPr id="7" name="TextBox 6"/>
+          <p:cNvSpPr txBox="1"/>
+          <p:nvPr/>
+        </p:nvSpPr>
+        <p:spPr>
+          <a:xfrm>
+            <a:off x="7138671" y="3906595"/>
+            <a:ext cx="4560277" cy="2636288"/>
+          </a:xfrm>
+          <a:prstGeom prst="rect">
+            <a:avLst/>
+          </a:prstGeom>
+          <a:noFill/>
+        </p:spPr>
+        <p:txBody>
+          <a:bodyPr wrap="square" rtlCol="0">
+            <a:spAutoFit/>
+          </a:bodyPr>
+          <a:lstStyle/>
+          <a:p>
+            <a:r>
+              <a:rPr lang="en-US" sz="2000" dirty="0"/>
+              <a:t>Lorem ipsum </a:t>
+            </a:r>
+            <a:r>
+              <a:rPr lang="en-US" sz="2000" dirty="0" smtClean="0"/>
+              <a:t>dolor</a:t>
+            </a:r>
+          </a:p>
+          <a:p>
+            <a:r>
+              <a:rPr lang="en-US" sz="2000" dirty="0" smtClean="0"/>
+              <a:t> </a:t>
+            </a:r>
+            <a:r>
+              <a:rPr lang="en-US" sz="2000" dirty="0"/>
+              <a:t>sit amet, consectetur </a:t>
+            </a:r>
+            <a:endParaRPr lang="en-US" sz="2000" dirty="0" smtClean="0"/>
+          </a:p>
+          <a:p>
+            <a:r>
+              <a:rPr lang="en-US" sz="2000" dirty="0" smtClean="0"/>
+              <a:t>adipiscing </a:t>
+            </a:r>
+            <a:r>
+              <a:rPr lang="en-US" sz="2000" dirty="0"/>
+              <a:t>elit, sed </a:t>
+            </a:r>
+            <a:r>
+              <a:rPr lang="en-US" sz="2000" dirty="0" smtClean="0"/>
+              <a:t>do</a:t>
+            </a:r>
+          </a:p>
+          <a:p>
+            <a:r>
+              <a:rPr lang="en-US" sz="2000" dirty="0" smtClean="0"/>
+              <a:t> </a:t>
+            </a:r>
+            <a:r>
+              <a:rPr lang="en-US" sz="2000" dirty="0"/>
+              <a:t>eiusmod tempor </a:t>
+            </a:r>
+            <a:endParaRPr lang="en-US" sz="2000" dirty="0" smtClean="0"/>
+          </a:p>
+          <a:p>
+            <a:r>
+              <a:rPr lang="en-US" sz="2000" dirty="0" smtClean="0"/>
+              <a:t>incididunt </a:t>
+            </a:r>
+            <a:r>
+              <a:rPr lang="en-US" sz="2000" dirty="0"/>
+              <a:t>ut labore et dolore magna </a:t>
+            </a:r>
+            <a:endParaRPr lang="en-US" sz="2000" dirty="0" smtClean="0"/>
+          </a:p>
+          <a:p>
+            <a:r>
+              <a:rPr lang="en-US" sz="2000" dirty="0" smtClean="0"/>
+              <a:t>aliqua</a:t>
+            </a:r>
+            <a:r>
+              <a:rPr lang="en-US" sz="2000" dirty="0"/>
+              <a:t>. Ut enim ad minim veniam, quis </a:t>
+            </a:r>
+            <a:endParaRPr lang="en-US" sz="2000" dirty="0" smtClean="0"/>
+          </a:p>
+          <a:p>
+            <a:r>
+              <a:rPr lang="en-US" sz="2000" dirty="0" smtClean="0"/>
+              <a:t>nostrud </a:t>
+            </a:r>
+            <a:r>
+              <a:rPr lang="en-US" sz="2000" dirty="0"/>
+              <a:t>exercitation ullamco laboris nisi </a:t>
+            </a:r>
+            <a:endParaRPr lang="en-US" sz="2000" dirty="0" smtClean="0"/>
+          </a:p>
+          <a:p>
+            <a:r>
+              <a:rPr lang="en-US" sz="2000" dirty="0" smtClean="0"/>
+              <a:t>ut </a:t>
+            </a:r>
+            <a:r>
+              <a:rPr lang="en-US" sz="2000" dirty="0"/>
+              <a:t>aliquip ex ea commodo consequat. </a:t>
+            </a:r>
+          </a:p>
+        </p:txBody>
+      </p:sp>
+      <p:sp>
+        <p:nvSpPr>
+          <p:cNvPr id="6" name="Rectangle 5"/>
+          <p:cNvSpPr/>
+          <p:nvPr/>
+        </p:nvSpPr>
+        <p:spPr>
+          <a:xfrm>
+            <a:off x="9583653" y="3983462"/>
+            <a:ext cx="1807429" cy="1135383"/>
+          </a:xfrm>
+          <a:prstGeom prst="rect">
+            <a:avLst/>
+          </a:prstGeom>
+        </p:spPr>
+        <p:style>
+          <a:lnRef idx="1">
+            <a:schemeClr val="accent1"/>
+          </a:lnRef>
+          <a:fillRef idx="3">
+            <a:schemeClr val="accent1"/>
+          </a:fillRef>
+          <a:effectRef idx="2">
+            <a:schemeClr val="accent1"/>
+          </a:effectRef>
+          <a:fontRef idx="minor">
+            <a:schemeClr val="lt1"/>
+          </a:fontRef>
+        </p:style>
+        <p:txBody>
+          <a:bodyPr rtlCol="0" anchor="ctr"/>
+          <a:lstStyle/>
+          <a:p>
+            <a:pPr algn="ctr"/>
+            <a:endParaRPr lang="en-US"/>
           </a:p>
         </p:txBody>
       </p:sp>
     </p:spTree>
     <p:extLst>
       <p:ext uri="{BB962C8B-B14F-4D97-AF65-F5344CB8AC3E}">
-        <p14:creationId xmlns:p14="http://schemas.microsoft.com/office/powerpoint/2010/main" val="321880707"/>
+        <p14:creationId xmlns:p14="http://schemas.microsoft.com/office/powerpoint/2010/main" val="2056110900"/>
       </p:ext>
     </p:extLst>
   </p:cSld>
@@ -4411,7 +4482,7 @@
       </p:grpSpPr>
       <p:sp>
         <p:nvSpPr>
-          <p:cNvPr id="4" name="Title 3"/>
+          <p:cNvPr id="2" name="Title 1"/>
           <p:cNvSpPr>
             <a:spLocks noGrp="1"/>
           </p:cNvSpPr>
@@ -4426,11 +4497,221 @@
           <a:p>
             <a:r>
               <a:rPr lang="en-US" dirty="0" smtClean="0"/>
+              <a:t>Inline-Blocks</a:t>
+            </a:r>
+            <a:endParaRPr lang="en-US" dirty="0"/>
+          </a:p>
+        </p:txBody>
+      </p:sp>
+      <p:sp>
+        <p:nvSpPr>
+          <p:cNvPr id="3" name="Content Placeholder 2"/>
+          <p:cNvSpPr>
+            <a:spLocks noGrp="1"/>
+          </p:cNvSpPr>
+          <p:nvPr>
+            <p:ph sz="quarter" idx="10"/>
+          </p:nvPr>
+        </p:nvSpPr>
+        <p:spPr/>
+        <p:txBody>
+          <a:bodyPr/>
+          <a:lstStyle/>
+          <a:p>
+            <a:r>
+              <a:rPr lang="en-US" dirty="0" smtClean="0"/>
+              <a:t>The (much) easier way to position two or more block elements on the same line</a:t>
+            </a:r>
+          </a:p>
+          <a:p>
+            <a:r>
+              <a:rPr lang="en-US" dirty="0" smtClean="0"/>
+              <a:t>May need to be specifically aligned</a:t>
+            </a:r>
+            <a:endParaRPr lang="en-US" dirty="0"/>
+          </a:p>
+          <a:p>
+            <a:pPr marL="0" indent="0">
+              <a:buNone/>
+            </a:pPr>
+            <a:endParaRPr lang="en-US" dirty="0" smtClean="0"/>
+          </a:p>
+          <a:p>
+            <a:pPr marL="0" indent="0">
+              <a:buNone/>
+            </a:pPr>
+            <a:r>
+              <a:rPr lang="en-US" dirty="0" smtClean="0"/>
+              <a:t> </a:t>
+            </a:r>
+            <a:endParaRPr lang="en-US" dirty="0"/>
+          </a:p>
+        </p:txBody>
+      </p:sp>
+    </p:spTree>
+    <p:extLst>
+      <p:ext uri="{BB962C8B-B14F-4D97-AF65-F5344CB8AC3E}">
+        <p14:creationId xmlns:p14="http://schemas.microsoft.com/office/powerpoint/2010/main" val="2905147314"/>
+      </p:ext>
+    </p:extLst>
+  </p:cSld>
+  <p:clrMapOvr>
+    <a:masterClrMapping/>
+  </p:clrMapOvr>
+  <p:timing>
+    <p:tnLst>
+      <p:par>
+        <p:cTn xmlns:p14="http://schemas.microsoft.com/office/powerpoint/2010/main" id="1" dur="indefinite" restart="never" nodeType="tmRoot"/>
+      </p:par>
+    </p:tnLst>
+  </p:timing>
+</p:sld>
+</file>
+
+<file path=ppt/slides/slide13.xml><?xml version="1.0" encoding="utf-8"?>
+<p:sld xmlns:a="http://schemas.openxmlformats.org/drawingml/2006/main" xmlns:r="http://schemas.openxmlformats.org/officeDocument/2006/relationships" xmlns:p="http://schemas.openxmlformats.org/presentationml/2006/main">
+  <p:cSld>
+    <p:spTree>
+      <p:nvGrpSpPr>
+        <p:cNvPr id="1" name=""/>
+        <p:cNvGrpSpPr/>
+        <p:nvPr/>
+      </p:nvGrpSpPr>
+      <p:grpSpPr>
+        <a:xfrm>
+          <a:off x="0" y="0"/>
+          <a:ext cx="0" cy="0"/>
+          <a:chOff x="0" y="0"/>
+          <a:chExt cx="0" cy="0"/>
+        </a:xfrm>
+      </p:grpSpPr>
+      <p:sp>
+        <p:nvSpPr>
+          <p:cNvPr id="2" name="Title 1"/>
+          <p:cNvSpPr>
+            <a:spLocks noGrp="1"/>
+          </p:cNvSpPr>
+          <p:nvPr>
+            <p:ph type="title"/>
+          </p:nvPr>
+        </p:nvSpPr>
+        <p:spPr/>
+        <p:txBody>
+          <a:bodyPr/>
+          <a:lstStyle/>
+          <a:p>
+            <a:r>
+              <a:rPr lang="en-US" dirty="0" smtClean="0"/>
+              <a:t>Taming the elements</a:t>
+            </a:r>
+            <a:endParaRPr lang="en-US" dirty="0"/>
+          </a:p>
+        </p:txBody>
+      </p:sp>
+      <p:sp>
+        <p:nvSpPr>
+          <p:cNvPr id="3" name="Content Placeholder 2"/>
+          <p:cNvSpPr>
+            <a:spLocks noGrp="1"/>
+          </p:cNvSpPr>
+          <p:nvPr>
+            <p:ph sz="quarter" idx="10"/>
+          </p:nvPr>
+        </p:nvSpPr>
+        <p:spPr/>
+        <p:txBody>
+          <a:bodyPr/>
+          <a:lstStyle/>
+          <a:p>
+            <a:r>
+              <a:rPr lang="en-US" dirty="0"/>
+              <a:t>Lining up multiple elements in one row </a:t>
+            </a:r>
+            <a:endParaRPr lang="en-US" dirty="0" smtClean="0"/>
+          </a:p>
+          <a:p>
+            <a:r>
+              <a:rPr lang="en-US" dirty="0" smtClean="0"/>
+              <a:t>Centering elements</a:t>
+            </a:r>
+            <a:endParaRPr lang="en-US" dirty="0"/>
+          </a:p>
+          <a:p>
+            <a:r>
+              <a:rPr lang="en-US" dirty="0" smtClean="0"/>
+              <a:t>What happens when a div is larger than its </a:t>
+            </a:r>
+            <a:r>
+              <a:rPr lang="en-US" dirty="0" smtClean="0"/>
+              <a:t>parent</a:t>
+            </a:r>
+            <a:r>
+              <a:rPr lang="en-US" dirty="0"/>
+              <a:t>?</a:t>
+            </a:r>
+            <a:endParaRPr lang="en-US" dirty="0" smtClean="0"/>
+          </a:p>
+        </p:txBody>
+      </p:sp>
+    </p:spTree>
+    <p:extLst>
+      <p:ext uri="{BB962C8B-B14F-4D97-AF65-F5344CB8AC3E}">
+        <p14:creationId xmlns:p14="http://schemas.microsoft.com/office/powerpoint/2010/main" val="321880707"/>
+      </p:ext>
+    </p:extLst>
+  </p:cSld>
+  <p:clrMapOvr>
+    <a:masterClrMapping/>
+  </p:clrMapOvr>
+  <p:timing>
+    <p:tnLst>
+      <p:par>
+        <p:cTn xmlns:p14="http://schemas.microsoft.com/office/powerpoint/2010/main" id="1" dur="indefinite" restart="never" nodeType="tmRoot"/>
+      </p:par>
+    </p:tnLst>
+  </p:timing>
+</p:sld>
+</file>
+
+<file path=ppt/slides/slide14.xml><?xml version="1.0" encoding="utf-8"?>
+<p:sld xmlns:a="http://schemas.openxmlformats.org/drawingml/2006/main" xmlns:r="http://schemas.openxmlformats.org/officeDocument/2006/relationships" xmlns:p="http://schemas.openxmlformats.org/presentationml/2006/main">
+  <p:cSld>
+    <p:spTree>
+      <p:nvGrpSpPr>
+        <p:cNvPr id="1" name=""/>
+        <p:cNvGrpSpPr/>
+        <p:nvPr/>
+      </p:nvGrpSpPr>
+      <p:grpSpPr>
+        <a:xfrm>
+          <a:off x="0" y="0"/>
+          <a:ext cx="0" cy="0"/>
+          <a:chOff x="0" y="0"/>
+          <a:chExt cx="0" cy="0"/>
+        </a:xfrm>
+      </p:grpSpPr>
+      <p:sp>
+        <p:nvSpPr>
+          <p:cNvPr id="4" name="Title 3"/>
+          <p:cNvSpPr>
+            <a:spLocks noGrp="1"/>
+          </p:cNvSpPr>
+          <p:nvPr>
+            <p:ph type="title"/>
+          </p:nvPr>
+        </p:nvSpPr>
+        <p:spPr/>
+        <p:txBody>
+          <a:bodyPr/>
+          <a:lstStyle/>
+          <a:p>
+            <a:r>
+              <a:rPr lang="en-US" dirty="0" smtClean="0"/>
               <a:t>Element </a:t>
             </a:r>
             <a:r>
               <a:rPr lang="en-US" dirty="0" smtClean="0"/>
-              <a:t>interactions</a:t>
+              <a:t>interactions &amp; inline-block</a:t>
             </a:r>
             <a:endParaRPr lang="en-US" dirty="0"/>
           </a:p>
@@ -4456,7 +4737,7 @@
 </p:sld>
 </file>
 
-<file path=ppt/slides/slide13.xml><?xml version="1.0" encoding="utf-8"?>
+<file path=ppt/slides/slide15.xml><?xml version="1.0" encoding="utf-8"?>
 <p:sld xmlns:a="http://schemas.openxmlformats.org/drawingml/2006/main" xmlns:r="http://schemas.openxmlformats.org/officeDocument/2006/relationships" xmlns:p="http://schemas.openxmlformats.org/presentationml/2006/main">
   <p:cSld>
     <p:spTree>
@@ -4740,13 +5021,8 @@
             </a:pPr>
             <a:r>
               <a:rPr lang="en-US" dirty="0" smtClean="0"/>
-              <a:t>Determines if and how an element shows up on the </a:t>
-            </a:r>
-            <a:r>
-              <a:rPr lang="en-US" dirty="0" smtClean="0"/>
-              <a:t>page</a:t>
-            </a:r>
-            <a:endParaRPr lang="en-US" dirty="0" smtClean="0"/>
+              <a:t>Determines if and how an element shows up on the page</a:t>
+            </a:r>
           </a:p>
           <a:p>
             <a:r>
@@ -4755,19 +5031,7 @@
             </a:r>
             <a:r>
               <a:rPr lang="en-US" dirty="0" smtClean="0"/>
-              <a:t> </a:t>
-            </a:r>
-            <a:r>
-              <a:rPr lang="en-US" dirty="0" smtClean="0"/>
-              <a:t>– needs </a:t>
-            </a:r>
-            <a:r>
-              <a:rPr lang="en-US" dirty="0" smtClean="0"/>
-              <a:t>a new row for </a:t>
-            </a:r>
-            <a:r>
-              <a:rPr lang="en-US" dirty="0" smtClean="0"/>
-              <a:t>itself</a:t>
+              <a:t> – needs a new row for itself</a:t>
             </a:r>
           </a:p>
           <a:p>
@@ -4797,7 +5061,6 @@
               <a:rPr lang="en-US" dirty="0" smtClean="0"/>
               <a:t>&lt;span&gt; &lt;a&gt; &lt;b&gt;</a:t>
             </a:r>
-            <a:endParaRPr lang="en-US" dirty="0" smtClean="0"/>
           </a:p>
           <a:p>
             <a:r>
@@ -4898,18 +5161,22 @@
           <a:lstStyle/>
           <a:p>
             <a:r>
-              <a:rPr lang="en-US" dirty="0" smtClean="0"/>
-              <a:t>Static (default)</a:t>
-            </a:r>
-          </a:p>
-          <a:p>
-            <a:r>
-              <a:rPr lang="en-US" dirty="0" smtClean="0"/>
-              <a:t>Relative – relative to where its default </a:t>
-            </a:r>
-            <a:r>
-              <a:rPr lang="en-US" dirty="0" smtClean="0"/>
-              <a:t>position would be</a:t>
+              <a:rPr lang="en-US" b="1" dirty="0" smtClean="0"/>
+              <a:t>Static</a:t>
+            </a:r>
+            <a:r>
+              <a:rPr lang="en-US" dirty="0" smtClean="0"/>
+              <a:t> (default)</a:t>
+            </a:r>
+          </a:p>
+          <a:p>
+            <a:r>
+              <a:rPr lang="en-US" b="1" dirty="0" smtClean="0"/>
+              <a:t>Relative</a:t>
+            </a:r>
+            <a:r>
+              <a:rPr lang="en-US" dirty="0" smtClean="0"/>
+              <a:t> – relative to where its default position would be</a:t>
             </a:r>
           </a:p>
           <a:p>
@@ -4920,16 +5187,15 @@
               <a:rPr lang="en-US" dirty="0" smtClean="0"/>
               <a:t>If you want something to move a little to the left/right</a:t>
             </a:r>
-            <a:endParaRPr lang="en-US" dirty="0" smtClean="0"/>
-          </a:p>
-          <a:p>
-            <a:r>
-              <a:rPr lang="en-US" dirty="0" smtClean="0"/>
-              <a:t>Fixed – relative to the browser </a:t>
-            </a:r>
-            <a:r>
-              <a:rPr lang="en-US" dirty="0" smtClean="0"/>
-              <a:t>window</a:t>
+          </a:p>
+          <a:p>
+            <a:r>
+              <a:rPr lang="en-US" b="1" dirty="0" smtClean="0"/>
+              <a:t>Fixed</a:t>
+            </a:r>
+            <a:r>
+              <a:rPr lang="en-US" dirty="0" smtClean="0"/>
+              <a:t> – relative to the browser window</a:t>
             </a:r>
           </a:p>
           <a:p>
@@ -4940,16 +5206,15 @@
               <a:rPr lang="en-US" dirty="0" smtClean="0"/>
               <a:t>Used for headers that move with you as you scroll</a:t>
             </a:r>
-            <a:endParaRPr lang="en-US" dirty="0" smtClean="0"/>
-          </a:p>
-          <a:p>
-            <a:r>
-              <a:rPr lang="en-US" dirty="0" smtClean="0"/>
-              <a:t>Absolute – relative to its first positioned parent </a:t>
-            </a:r>
-            <a:r>
-              <a:rPr lang="en-US" dirty="0" smtClean="0"/>
-              <a:t>element</a:t>
+          </a:p>
+          <a:p>
+            <a:r>
+              <a:rPr lang="en-US" b="1" dirty="0" smtClean="0"/>
+              <a:t>Absolute</a:t>
+            </a:r>
+            <a:r>
+              <a:rPr lang="en-US" dirty="0" smtClean="0"/>
+              <a:t> – relative to its first positioned parent element</a:t>
             </a:r>
           </a:p>
           <a:p>
@@ -5018,7 +5283,7 @@
           <a:p>
             <a:r>
               <a:rPr lang="en-US" dirty="0" smtClean="0"/>
-              <a:t>Positioning</a:t>
+              <a:t>Positioning elements</a:t>
             </a:r>
             <a:endParaRPr lang="en-US" dirty="0"/>
           </a:p>
@@ -5185,15 +5450,7 @@
           <a:p>
             <a:r>
               <a:rPr lang="en-US" dirty="0" smtClean="0"/>
-              <a:t>Margin – space </a:t>
-            </a:r>
-            <a:r>
-              <a:rPr lang="en-US" dirty="0" smtClean="0"/>
-              <a:t>outside/around </a:t>
-            </a:r>
-            <a:r>
-              <a:rPr lang="en-US" dirty="0" smtClean="0"/>
-              <a:t>an element</a:t>
+              <a:t>Margin – space outside/around an element</a:t>
             </a:r>
           </a:p>
           <a:p>
@@ -5205,13 +5462,8 @@
           <a:p>
             <a:r>
               <a:rPr lang="en-US" dirty="0" smtClean="0"/>
-              <a:t>Padding – space within an </a:t>
-            </a:r>
-            <a:r>
-              <a:rPr lang="en-US" dirty="0" smtClean="0"/>
-              <a:t>element, but outside the content </a:t>
-            </a:r>
-            <a:endParaRPr lang="en-US" dirty="0" smtClean="0"/>
+              <a:t>Padding – space within an element, but outside the content </a:t>
+            </a:r>
           </a:p>
           <a:p>
             <a:endParaRPr lang="en-US" dirty="0" smtClean="0"/>
@@ -5501,12 +5753,12 @@
       </p:grpSpPr>
       <p:sp>
         <p:nvSpPr>
-          <p:cNvPr id="5" name="Text Placeholder 4"/>
+          <p:cNvPr id="4" name="Title 3"/>
           <p:cNvSpPr>
             <a:spLocks noGrp="1"/>
           </p:cNvSpPr>
           <p:nvPr>
-            <p:ph type="body" sz="quarter" idx="10"/>
+            <p:ph type="title"/>
           </p:nvPr>
         </p:nvSpPr>
         <p:spPr/>
@@ -5516,27 +5768,8 @@
           <a:p>
             <a:r>
               <a:rPr lang="en-US" dirty="0" smtClean="0"/>
-              <a:t>Elements interacting</a:t>
-            </a:r>
-            <a:endParaRPr lang="en-US" dirty="0"/>
-          </a:p>
-        </p:txBody>
-      </p:sp>
-      <p:sp>
-        <p:nvSpPr>
-          <p:cNvPr id="4" name="Subtitle 3"/>
-          <p:cNvSpPr>
-            <a:spLocks noGrp="1"/>
-          </p:cNvSpPr>
-          <p:nvPr>
-            <p:ph type="subTitle" idx="1"/>
-          </p:nvPr>
-        </p:nvSpPr>
-        <p:spPr/>
-        <p:txBody>
-          <a:bodyPr/>
-          <a:lstStyle/>
-          <a:p>
+              <a:t>Box Model Sizing</a:t>
+            </a:r>
             <a:endParaRPr lang="en-US" dirty="0"/>
           </a:p>
         </p:txBody>
@@ -5544,7 +5777,7 @@
     </p:spTree>
     <p:extLst>
       <p:ext uri="{BB962C8B-B14F-4D97-AF65-F5344CB8AC3E}">
-        <p14:creationId xmlns:p14="http://schemas.microsoft.com/office/powerpoint/2010/main" val="1051020449"/>
+        <p14:creationId xmlns:p14="http://schemas.microsoft.com/office/powerpoint/2010/main" val="691129573"/>
       </p:ext>
     </p:extLst>
   </p:cSld>
@@ -6101,7 +6334,7 @@
   <a:extraClrSchemeLst/>
   <a:extLst>
     <a:ext uri="{05A4C25C-085E-4340-85A3-A5531E510DB2}">
-      <thm15:themeFamily xmlns:thm15="http://schemas.microsoft.com/office/thememl/2012/main" xmlns="" name="Office Theme" id="{62F939B6-93AF-4DB8-9C6B-D6C7DFDC589F}" vid="{4A3C46E8-61CC-4603-A589-7422A47A8E4A}"/>
+      <thm15:themeFamily xmlns="" xmlns:thm15="http://schemas.microsoft.com/office/thememl/2012/main" name="Office Theme" id="{62F939B6-93AF-4DB8-9C6B-D6C7DFDC589F}" vid="{4A3C46E8-61CC-4603-A589-7422A47A8E4A}"/>
     </a:ext>
   </a:extLst>
 </a:theme>
@@ -6362,7 +6595,7 @@
   <a:extraClrSchemeLst/>
   <a:extLst>
     <a:ext uri="{05A4C25C-085E-4340-85A3-A5531E510DB2}">
-      <thm15:themeFamily xmlns:thm15="http://schemas.microsoft.com/office/thememl/2012/main" xmlns="" name="Office Theme" id="{62F939B6-93AF-4DB8-9C6B-D6C7DFDC589F}" vid="{4A3C46E8-61CC-4603-A589-7422A47A8E4A}"/>
+      <thm15:themeFamily xmlns="" xmlns:thm15="http://schemas.microsoft.com/office/thememl/2012/main" name="Office Theme" id="{62F939B6-93AF-4DB8-9C6B-D6C7DFDC589F}" vid="{4A3C46E8-61CC-4603-A589-7422A47A8E4A}"/>
     </a:ext>
   </a:extLst>
 </a:theme>

--- a/Slides/Module 3.pptx
+++ b/Slides/Module 3.pptx
@@ -19,10 +19,10 @@
     <p:sldId id="306" r:id="rId10"/>
     <p:sldId id="288" r:id="rId11"/>
     <p:sldId id="289" r:id="rId12"/>
-    <p:sldId id="308" r:id="rId13"/>
-    <p:sldId id="304" r:id="rId14"/>
-    <p:sldId id="303" r:id="rId15"/>
-    <p:sldId id="309" r:id="rId16"/>
+    <p:sldId id="309" r:id="rId13"/>
+    <p:sldId id="308" r:id="rId14"/>
+    <p:sldId id="304" r:id="rId15"/>
+    <p:sldId id="303" r:id="rId16"/>
     <p:sldId id="307" r:id="rId17"/>
     <p:sldId id="302" r:id="rId18"/>
     <p:sldId id="269" r:id="rId19"/>
@@ -126,10 +126,21 @@
   </p:defaultTextStyle>
   <p:extLst>
     <p:ext uri="{EFAFB233-063F-42B5-8137-9DF3F51BA10A}">
-      <p15:sldGuideLst xmlns="" xmlns:p15="http://schemas.microsoft.com/office/powerpoint/2012/main"/>
+      <p15:sldGuideLst xmlns:p15="http://schemas.microsoft.com/office/powerpoint/2012/main">
+        <p15:guide id="1" orient="horz" pos="2160">
+          <p15:clr>
+            <a:srgbClr val="A4A3A4"/>
+          </p15:clr>
+        </p15:guide>
+        <p15:guide id="2" pos="3840">
+          <p15:clr>
+            <a:srgbClr val="A4A3A4"/>
+          </p15:clr>
+        </p15:guide>
+      </p15:sldGuideLst>
     </p:ext>
     <p:ext uri="{2D200454-40CA-4A62-9FC3-DE9A4176ACB9}">
-      <p15:notesGuideLst xmlns="" xmlns:p15="http://schemas.microsoft.com/office/powerpoint/2012/main"/>
+      <p15:notesGuideLst xmlns:p15="http://schemas.microsoft.com/office/powerpoint/2012/main"/>
     </p:ext>
   </p:extLst>
 </p:presentation>
@@ -217,7 +228,7 @@
           <a:p>
             <a:fld id="{312E7B4A-039C-48A2-9B2C-AF16AA3873D8}" type="datetimeFigureOut">
               <a:rPr lang="en-US" smtClean="0"/>
-              <a:t>12/3/14</a:t>
+              <a:t>12/3/2014</a:t>
             </a:fld>
             <a:endParaRPr lang="en-US"/>
           </a:p>
@@ -382,7 +393,7 @@
           <a:p>
             <a:fld id="{DA005A0C-54D9-45AA-87D4-C551D08DFCE1}" type="datetimeFigureOut">
               <a:rPr lang="en-US" smtClean="0"/>
-              <a:t>12/3/14</a:t>
+              <a:t>12/3/2014</a:t>
             </a:fld>
             <a:endParaRPr lang="en-US"/>
           </a:p>
@@ -1058,6 +1069,14 @@
           <a:bodyPr/>
           <a:lstStyle/>
           <a:p>
+            <a:r>
+              <a:rPr lang="en-US" dirty="0" smtClean="0"/>
+              <a:t>The CSS box model </a:t>
+            </a:r>
+            <a:r>
+              <a:rPr lang="en-US" dirty="0" err="1" smtClean="0"/>
+              <a:t>i</a:t>
+            </a:r>
             <a:endParaRPr lang="en-US" dirty="0"/>
           </a:p>
         </p:txBody>
@@ -1079,7 +1098,7 @@
           <a:p>
             <a:fld id="{4CFD207A-07DF-40AD-A916-9872E089CE7A}" type="slidenum">
               <a:rPr lang="en-US" smtClean="0"/>
-              <a:t>11</a:t>
+              <a:t>8</a:t>
             </a:fld>
             <a:endParaRPr lang="en-US"/>
           </a:p>
@@ -1088,7 +1107,7 @@
     </p:spTree>
     <p:extLst>
       <p:ext uri="{BB962C8B-B14F-4D97-AF65-F5344CB8AC3E}">
-        <p14:creationId xmlns:p14="http://schemas.microsoft.com/office/powerpoint/2010/main" val="2077088154"/>
+        <p14:creationId xmlns:p14="http://schemas.microsoft.com/office/powerpoint/2010/main" val="4094851916"/>
       </p:ext>
     </p:extLst>
   </p:cSld>
@@ -1142,6 +1161,98 @@
           <a:bodyPr/>
           <a:lstStyle/>
           <a:p>
+            <a:r>
+              <a:rPr lang="en-US" dirty="0" smtClean="0"/>
+              <a:t>The CSS box model </a:t>
+            </a:r>
+            <a:r>
+              <a:rPr lang="en-US" dirty="0" err="1" smtClean="0"/>
+              <a:t>i</a:t>
+            </a:r>
+            <a:endParaRPr lang="en-US" dirty="0"/>
+          </a:p>
+        </p:txBody>
+      </p:sp>
+      <p:sp>
+        <p:nvSpPr>
+          <p:cNvPr id="4" name="Slide Number Placeholder 3"/>
+          <p:cNvSpPr>
+            <a:spLocks noGrp="1"/>
+          </p:cNvSpPr>
+          <p:nvPr>
+            <p:ph type="sldNum" sz="quarter" idx="10"/>
+          </p:nvPr>
+        </p:nvSpPr>
+        <p:spPr/>
+        <p:txBody>
+          <a:bodyPr/>
+          <a:lstStyle/>
+          <a:p>
+            <a:fld id="{4CFD207A-07DF-40AD-A916-9872E089CE7A}" type="slidenum">
+              <a:rPr lang="en-US" smtClean="0"/>
+              <a:t>9</a:t>
+            </a:fld>
+            <a:endParaRPr lang="en-US"/>
+          </a:p>
+        </p:txBody>
+      </p:sp>
+    </p:spTree>
+    <p:extLst>
+      <p:ext uri="{BB962C8B-B14F-4D97-AF65-F5344CB8AC3E}">
+        <p14:creationId xmlns:p14="http://schemas.microsoft.com/office/powerpoint/2010/main" val="3827884617"/>
+      </p:ext>
+    </p:extLst>
+  </p:cSld>
+  <p:clrMapOvr>
+    <a:masterClrMapping/>
+  </p:clrMapOvr>
+</p:notes>
+</file>
+
+<file path=ppt/notesSlides/notesSlide7.xml><?xml version="1.0" encoding="utf-8"?>
+<p:notes xmlns:a="http://schemas.openxmlformats.org/drawingml/2006/main" xmlns:r="http://schemas.openxmlformats.org/officeDocument/2006/relationships" xmlns:p="http://schemas.openxmlformats.org/presentationml/2006/main">
+  <p:cSld>
+    <p:spTree>
+      <p:nvGrpSpPr>
+        <p:cNvPr id="1" name=""/>
+        <p:cNvGrpSpPr/>
+        <p:nvPr/>
+      </p:nvGrpSpPr>
+      <p:grpSpPr>
+        <a:xfrm>
+          <a:off x="0" y="0"/>
+          <a:ext cx="0" cy="0"/>
+          <a:chOff x="0" y="0"/>
+          <a:chExt cx="0" cy="0"/>
+        </a:xfrm>
+      </p:grpSpPr>
+      <p:sp>
+        <p:nvSpPr>
+          <p:cNvPr id="2" name="Slide Image Placeholder 1"/>
+          <p:cNvSpPr>
+            <a:spLocks noGrp="1" noRot="1" noChangeAspect="1"/>
+          </p:cNvSpPr>
+          <p:nvPr>
+            <p:ph type="sldImg"/>
+          </p:nvPr>
+        </p:nvSpPr>
+        <p:spPr/>
+      </p:sp>
+      <p:sp>
+        <p:nvSpPr>
+          <p:cNvPr id="3" name="Notes Placeholder 2"/>
+          <p:cNvSpPr>
+            <a:spLocks noGrp="1"/>
+          </p:cNvSpPr>
+          <p:nvPr>
+            <p:ph type="body" idx="1"/>
+          </p:nvPr>
+        </p:nvSpPr>
+        <p:spPr/>
+        <p:txBody>
+          <a:bodyPr/>
+          <a:lstStyle/>
+          <a:p>
             <a:endParaRPr lang="en-US" dirty="0"/>
           </a:p>
         </p:txBody>
@@ -1182,7 +1293,7 @@
 </p:notes>
 </file>
 
-<file path=ppt/notesSlides/notesSlide7.xml><?xml version="1.0" encoding="utf-8"?>
+<file path=ppt/notesSlides/notesSlide8.xml><?xml version="1.0" encoding="utf-8"?>
 <p:notes xmlns:a="http://schemas.openxmlformats.org/drawingml/2006/main" xmlns:r="http://schemas.openxmlformats.org/officeDocument/2006/relationships" xmlns:p="http://schemas.openxmlformats.org/presentationml/2006/main">
   <p:cSld>
     <p:spTree>
@@ -1654,13 +1765,13 @@
   <p:timing>
     <p:tnLst>
       <p:par>
-        <p:cTn xmlns:p14="http://schemas.microsoft.com/office/powerpoint/2010/main" id="1" dur="indefinite" restart="never" nodeType="tmRoot"/>
+        <p:cTn id="1" dur="indefinite" restart="never" nodeType="tmRoot"/>
       </p:par>
     </p:tnLst>
   </p:timing>
   <p:extLst mod="1">
     <p:ext uri="{DCECCB84-F9BA-43D5-87BE-67443E8EF086}">
-      <p15:sldGuideLst xmlns="" xmlns:p15="http://schemas.microsoft.com/office/powerpoint/2012/main">
+      <p15:sldGuideLst xmlns:p15="http://schemas.microsoft.com/office/powerpoint/2012/main">
         <p15:guide id="1" orient="horz" pos="3792">
           <p15:clr>
             <a:srgbClr val="FBAE40"/>
@@ -2313,13 +2424,13 @@
   <p:timing>
     <p:tnLst>
       <p:par>
-        <p:cTn xmlns:p14="http://schemas.microsoft.com/office/powerpoint/2010/main" id="1" dur="indefinite" restart="never" nodeType="tmRoot"/>
+        <p:cTn id="1" dur="indefinite" restart="never" nodeType="tmRoot"/>
       </p:par>
     </p:tnLst>
   </p:timing>
   <p:extLst mod="1">
     <p:ext uri="{DCECCB84-F9BA-43D5-87BE-67443E8EF086}">
-      <p15:sldGuideLst xmlns="" xmlns:p15="http://schemas.microsoft.com/office/powerpoint/2012/main">
+      <p15:sldGuideLst xmlns:p15="http://schemas.microsoft.com/office/powerpoint/2012/main">
         <p15:guide id="1" orient="horz" pos="2160">
           <p15:clr>
             <a:srgbClr val="FBAE40"/>
@@ -2547,7 +2658,7 @@
   <p:timing>
     <p:tnLst>
       <p:par>
-        <p:cTn xmlns:p14="http://schemas.microsoft.com/office/powerpoint/2010/main" id="1" dur="indefinite" restart="never" nodeType="tmRoot"/>
+        <p:cTn id="1" dur="indefinite" restart="never" nodeType="tmRoot"/>
       </p:par>
     </p:tnLst>
   </p:timing>
@@ -2706,7 +2817,7 @@
   <p:timing>
     <p:tnLst>
       <p:par>
-        <p:cTn xmlns:p14="http://schemas.microsoft.com/office/powerpoint/2010/main" id="1" dur="indefinite" restart="never" nodeType="tmRoot"/>
+        <p:cTn id="1" dur="indefinite" restart="never" nodeType="tmRoot"/>
       </p:par>
     </p:tnLst>
   </p:timing>
@@ -2946,7 +3057,7 @@
   <p:timing>
     <p:tnLst>
       <p:par>
-        <p:cTn xmlns:p14="http://schemas.microsoft.com/office/powerpoint/2010/main" id="1" dur="indefinite" restart="never" nodeType="tmRoot"/>
+        <p:cTn id="1" dur="indefinite" restart="never" nodeType="tmRoot"/>
       </p:par>
     </p:tnLst>
   </p:timing>
@@ -3338,7 +3449,7 @@
   <p:timing>
     <p:tnLst>
       <p:par>
-        <p:cTn xmlns:p14="http://schemas.microsoft.com/office/powerpoint/2010/main" id="1" dur="indefinite" restart="never" nodeType="tmRoot"/>
+        <p:cTn id="1" dur="indefinite" restart="never" nodeType="tmRoot"/>
       </p:par>
     </p:tnLst>
   </p:timing>
@@ -3398,7 +3509,7 @@
   <p:timing>
     <p:tnLst>
       <p:par>
-        <p:cTn xmlns:p14="http://schemas.microsoft.com/office/powerpoint/2010/main" id="1" dur="indefinite" restart="never" nodeType="tmRoot"/>
+        <p:cTn id="1" dur="indefinite" restart="never" nodeType="tmRoot"/>
       </p:par>
     </p:tnLst>
   </p:timing>
@@ -3435,7 +3546,7 @@
   <p:timing>
     <p:tnLst>
       <p:par>
-        <p:cTn xmlns:p14="http://schemas.microsoft.com/office/powerpoint/2010/main" id="1" dur="indefinite" restart="never" nodeType="tmRoot"/>
+        <p:cTn id="1" dur="indefinite" restart="never" nodeType="tmRoot"/>
       </p:par>
     </p:tnLst>
   </p:timing>
@@ -3646,7 +3757,7 @@
   <p:timing>
     <p:tnLst>
       <p:par>
-        <p:cTn xmlns:p14="http://schemas.microsoft.com/office/powerpoint/2010/main" id="1" dur="indefinite" restart="never" nodeType="tmRoot"/>
+        <p:cTn id="1" dur="indefinite" restart="never" nodeType="tmRoot"/>
       </p:par>
     </p:tnLst>
   </p:timing>
@@ -3730,7 +3841,7 @@
   <p:timing>
     <p:tnLst>
       <p:par>
-        <p:cTn xmlns:p14="http://schemas.microsoft.com/office/powerpoint/2010/main" id="1" dur="indefinite" restart="never" nodeType="tmRoot"/>
+        <p:cTn id="1" dur="indefinite" restart="never" nodeType="tmRoot"/>
       </p:par>
     </p:tnLst>
   </p:timing>
@@ -4085,7 +4196,7 @@
   <p:timing>
     <p:tnLst>
       <p:par>
-        <p:cTn xmlns:p14="http://schemas.microsoft.com/office/powerpoint/2010/main" id="1" dur="indefinite" restart="never" nodeType="tmRoot"/>
+        <p:cTn id="1" dur="indefinite" restart="never" nodeType="tmRoot"/>
       </p:par>
     </p:tnLst>
   </p:timing>
@@ -4111,12 +4222,12 @@
       </p:grpSpPr>
       <p:sp>
         <p:nvSpPr>
-          <p:cNvPr id="5" name="Text Placeholder 4"/>
+          <p:cNvPr id="4" name="Title 3"/>
           <p:cNvSpPr>
             <a:spLocks noGrp="1"/>
           </p:cNvSpPr>
           <p:nvPr>
-            <p:ph type="body" sz="quarter" idx="10"/>
+            <p:ph type="title"/>
           </p:nvPr>
         </p:nvSpPr>
         <p:spPr/>
@@ -4126,27 +4237,8 @@
           <a:p>
             <a:r>
               <a:rPr lang="en-US" dirty="0" smtClean="0"/>
-              <a:t>Elements interacting</a:t>
-            </a:r>
-            <a:endParaRPr lang="en-US" dirty="0"/>
-          </a:p>
-        </p:txBody>
-      </p:sp>
-      <p:sp>
-        <p:nvSpPr>
-          <p:cNvPr id="4" name="Subtitle 3"/>
-          <p:cNvSpPr>
-            <a:spLocks noGrp="1"/>
-          </p:cNvSpPr>
-          <p:nvPr>
-            <p:ph type="subTitle" idx="1"/>
-          </p:nvPr>
-        </p:nvSpPr>
-        <p:spPr/>
-        <p:txBody>
-          <a:bodyPr/>
-          <a:lstStyle/>
-          <a:p>
+              <a:t>Box Model Sizing</a:t>
+            </a:r>
             <a:endParaRPr lang="en-US" dirty="0"/>
           </a:p>
         </p:txBody>
@@ -4154,7 +4246,7 @@
     </p:spTree>
     <p:extLst>
       <p:ext uri="{BB962C8B-B14F-4D97-AF65-F5344CB8AC3E}">
-        <p14:creationId xmlns:p14="http://schemas.microsoft.com/office/powerpoint/2010/main" val="1051020449"/>
+        <p14:creationId xmlns:p14="http://schemas.microsoft.com/office/powerpoint/2010/main" val="691129573"/>
       </p:ext>
     </p:extLst>
   </p:cSld>
@@ -4164,7 +4256,7 @@
   <p:timing>
     <p:tnLst>
       <p:par>
-        <p:cTn xmlns:p14="http://schemas.microsoft.com/office/powerpoint/2010/main" id="1" dur="indefinite" restart="never" nodeType="tmRoot"/>
+        <p:cTn id="1" dur="indefinite" restart="never" nodeType="tmRoot"/>
       </p:par>
     </p:tnLst>
   </p:timing>
@@ -4190,6 +4282,85 @@
       </p:grpSpPr>
       <p:sp>
         <p:nvSpPr>
+          <p:cNvPr id="5" name="Text Placeholder 4"/>
+          <p:cNvSpPr>
+            <a:spLocks noGrp="1"/>
+          </p:cNvSpPr>
+          <p:nvPr>
+            <p:ph type="body" sz="quarter" idx="10"/>
+          </p:nvPr>
+        </p:nvSpPr>
+        <p:spPr/>
+        <p:txBody>
+          <a:bodyPr/>
+          <a:lstStyle/>
+          <a:p>
+            <a:r>
+              <a:rPr lang="en-US" dirty="0" smtClean="0"/>
+              <a:t>Elements interacting</a:t>
+            </a:r>
+            <a:endParaRPr lang="en-US" dirty="0"/>
+          </a:p>
+        </p:txBody>
+      </p:sp>
+      <p:sp>
+        <p:nvSpPr>
+          <p:cNvPr id="4" name="Subtitle 3"/>
+          <p:cNvSpPr>
+            <a:spLocks noGrp="1"/>
+          </p:cNvSpPr>
+          <p:nvPr>
+            <p:ph type="subTitle" idx="1"/>
+          </p:nvPr>
+        </p:nvSpPr>
+        <p:spPr/>
+        <p:txBody>
+          <a:bodyPr/>
+          <a:lstStyle/>
+          <a:p>
+            <a:endParaRPr lang="en-US" dirty="0"/>
+          </a:p>
+        </p:txBody>
+      </p:sp>
+    </p:spTree>
+    <p:extLst>
+      <p:ext uri="{BB962C8B-B14F-4D97-AF65-F5344CB8AC3E}">
+        <p14:creationId xmlns:p14="http://schemas.microsoft.com/office/powerpoint/2010/main" val="1051020449"/>
+      </p:ext>
+    </p:extLst>
+  </p:cSld>
+  <p:clrMapOvr>
+    <a:masterClrMapping/>
+  </p:clrMapOvr>
+  <p:timing>
+    <p:tnLst>
+      <p:par>
+        <p:cTn id="1" dur="indefinite" restart="never" nodeType="tmRoot"/>
+      </p:par>
+    </p:tnLst>
+  </p:timing>
+</p:sld>
+</file>
+
+<file path=ppt/slides/slide12.xml><?xml version="1.0" encoding="utf-8"?>
+<p:sld xmlns:a="http://schemas.openxmlformats.org/drawingml/2006/main" xmlns:r="http://schemas.openxmlformats.org/officeDocument/2006/relationships" xmlns:p="http://schemas.openxmlformats.org/presentationml/2006/main">
+  <p:cSld>
+    <p:spTree>
+      <p:nvGrpSpPr>
+        <p:cNvPr id="1" name=""/>
+        <p:cNvGrpSpPr/>
+        <p:nvPr/>
+      </p:nvGrpSpPr>
+      <p:grpSpPr>
+        <a:xfrm>
+          <a:off x="0" y="0"/>
+          <a:ext cx="0" cy="0"/>
+          <a:chOff x="0" y="0"/>
+          <a:chExt cx="0" cy="0"/>
+        </a:xfrm>
+      </p:grpSpPr>
+      <p:sp>
+        <p:nvSpPr>
           <p:cNvPr id="2" name="Title 1"/>
           <p:cNvSpPr>
             <a:spLocks noGrp="1"/>
@@ -4456,112 +4627,7 @@
   <p:timing>
     <p:tnLst>
       <p:par>
-        <p:cTn xmlns:p14="http://schemas.microsoft.com/office/powerpoint/2010/main" id="1" dur="indefinite" restart="never" nodeType="tmRoot"/>
-      </p:par>
-    </p:tnLst>
-  </p:timing>
-</p:sld>
-</file>
-
-<file path=ppt/slides/slide12.xml><?xml version="1.0" encoding="utf-8"?>
-<p:sld xmlns:a="http://schemas.openxmlformats.org/drawingml/2006/main" xmlns:r="http://schemas.openxmlformats.org/officeDocument/2006/relationships" xmlns:p="http://schemas.openxmlformats.org/presentationml/2006/main">
-  <p:cSld>
-    <p:spTree>
-      <p:nvGrpSpPr>
-        <p:cNvPr id="1" name=""/>
-        <p:cNvGrpSpPr/>
-        <p:nvPr/>
-      </p:nvGrpSpPr>
-      <p:grpSpPr>
-        <a:xfrm>
-          <a:off x="0" y="0"/>
-          <a:ext cx="0" cy="0"/>
-          <a:chOff x="0" y="0"/>
-          <a:chExt cx="0" cy="0"/>
-        </a:xfrm>
-      </p:grpSpPr>
-      <p:sp>
-        <p:nvSpPr>
-          <p:cNvPr id="2" name="Title 1"/>
-          <p:cNvSpPr>
-            <a:spLocks noGrp="1"/>
-          </p:cNvSpPr>
-          <p:nvPr>
-            <p:ph type="title"/>
-          </p:nvPr>
-        </p:nvSpPr>
-        <p:spPr/>
-        <p:txBody>
-          <a:bodyPr/>
-          <a:lstStyle/>
-          <a:p>
-            <a:r>
-              <a:rPr lang="en-US" dirty="0" smtClean="0"/>
-              <a:t>Inline-Blocks</a:t>
-            </a:r>
-            <a:endParaRPr lang="en-US" dirty="0"/>
-          </a:p>
-        </p:txBody>
-      </p:sp>
-      <p:sp>
-        <p:nvSpPr>
-          <p:cNvPr id="3" name="Content Placeholder 2"/>
-          <p:cNvSpPr>
-            <a:spLocks noGrp="1"/>
-          </p:cNvSpPr>
-          <p:nvPr>
-            <p:ph sz="quarter" idx="10"/>
-          </p:nvPr>
-        </p:nvSpPr>
-        <p:spPr/>
-        <p:txBody>
-          <a:bodyPr/>
-          <a:lstStyle/>
-          <a:p>
-            <a:r>
-              <a:rPr lang="en-US" dirty="0" smtClean="0"/>
-              <a:t>The (much) easier way to position two or more block elements on the same line</a:t>
-            </a:r>
-          </a:p>
-          <a:p>
-            <a:r>
-              <a:rPr lang="en-US" dirty="0" smtClean="0"/>
-              <a:t>May need to be specifically aligned</a:t>
-            </a:r>
-            <a:endParaRPr lang="en-US" dirty="0"/>
-          </a:p>
-          <a:p>
-            <a:pPr marL="0" indent="0">
-              <a:buNone/>
-            </a:pPr>
-            <a:endParaRPr lang="en-US" dirty="0" smtClean="0"/>
-          </a:p>
-          <a:p>
-            <a:pPr marL="0" indent="0">
-              <a:buNone/>
-            </a:pPr>
-            <a:r>
-              <a:rPr lang="en-US" dirty="0" smtClean="0"/>
-              <a:t> </a:t>
-            </a:r>
-            <a:endParaRPr lang="en-US" dirty="0"/>
-          </a:p>
-        </p:txBody>
-      </p:sp>
-    </p:spTree>
-    <p:extLst>
-      <p:ext uri="{BB962C8B-B14F-4D97-AF65-F5344CB8AC3E}">
-        <p14:creationId xmlns:p14="http://schemas.microsoft.com/office/powerpoint/2010/main" val="2905147314"/>
-      </p:ext>
-    </p:extLst>
-  </p:cSld>
-  <p:clrMapOvr>
-    <a:masterClrMapping/>
-  </p:clrMapOvr>
-  <p:timing>
-    <p:tnLst>
-      <p:par>
-        <p:cTn xmlns:p14="http://schemas.microsoft.com/office/powerpoint/2010/main" id="1" dur="indefinite" restart="never" nodeType="tmRoot"/>
+        <p:cTn id="1" dur="indefinite" restart="never" nodeType="tmRoot"/>
       </p:par>
     </p:tnLst>
   </p:timing>
@@ -4639,11 +4705,7 @@
           <a:p>
             <a:r>
               <a:rPr lang="en-US" dirty="0" smtClean="0"/>
-              <a:t>What happens when a div is larger than its </a:t>
-            </a:r>
-            <a:r>
-              <a:rPr lang="en-US" dirty="0" smtClean="0"/>
-              <a:t>parent</a:t>
+              <a:t>What happens when a div is larger than its parent</a:t>
             </a:r>
             <a:r>
               <a:rPr lang="en-US" dirty="0"/>
@@ -4666,7 +4728,7 @@
   <p:timing>
     <p:tnLst>
       <p:par>
-        <p:cTn xmlns:p14="http://schemas.microsoft.com/office/powerpoint/2010/main" id="1" dur="indefinite" restart="never" nodeType="tmRoot"/>
+        <p:cTn id="1" dur="indefinite" restart="never" nodeType="tmRoot"/>
       </p:par>
     </p:tnLst>
   </p:timing>
@@ -4707,11 +4769,7 @@
           <a:p>
             <a:r>
               <a:rPr lang="en-US" dirty="0" smtClean="0"/>
-              <a:t>Element </a:t>
-            </a:r>
-            <a:r>
-              <a:rPr lang="en-US" dirty="0" smtClean="0"/>
-              <a:t>interactions &amp; inline-block</a:t>
+              <a:t>Element interactions &amp; inline-block</a:t>
             </a:r>
             <a:endParaRPr lang="en-US" dirty="0"/>
           </a:p>
@@ -4730,7 +4788,7 @@
   <p:timing>
     <p:tnLst>
       <p:par>
-        <p:cTn xmlns:p14="http://schemas.microsoft.com/office/powerpoint/2010/main" id="1" dur="indefinite" restart="never" nodeType="tmRoot"/>
+        <p:cTn id="1" dur="indefinite" restart="never" nodeType="tmRoot"/>
       </p:par>
     </p:tnLst>
   </p:timing>
@@ -4767,7 +4825,7 @@
   <p:timing>
     <p:tnLst>
       <p:par>
-        <p:cTn xmlns:p14="http://schemas.microsoft.com/office/powerpoint/2010/main" id="1" dur="indefinite" restart="never" nodeType="tmRoot"/>
+        <p:cTn id="1" dur="indefinite" restart="never" nodeType="tmRoot"/>
       </p:par>
     </p:tnLst>
   </p:timing>
@@ -4817,8 +4875,9 @@
           <a:p>
             <a:r>
               <a:rPr lang="en-GB" dirty="0" smtClean="0"/>
-              <a:t>Margins &amp; Padding</a:t>
-            </a:r>
+              <a:t>The Box Model</a:t>
+            </a:r>
+            <a:endParaRPr lang="en-GB" dirty="0" smtClean="0"/>
           </a:p>
           <a:p>
             <a:r>
@@ -4867,7 +4926,7 @@
   <p:timing>
     <p:tnLst>
       <p:par>
-        <p:cTn xmlns:p14="http://schemas.microsoft.com/office/powerpoint/2010/main" id="1" dur="indefinite" restart="never" nodeType="tmRoot"/>
+        <p:cTn id="1" dur="indefinite" restart="never" nodeType="tmRoot"/>
       </p:par>
     </p:tnLst>
   </p:timing>
@@ -4946,7 +5005,7 @@
   <p:timing>
     <p:tnLst>
       <p:par>
-        <p:cTn xmlns:p14="http://schemas.microsoft.com/office/powerpoint/2010/main" id="1" dur="indefinite" restart="never" nodeType="tmRoot"/>
+        <p:cTn id="1" dur="indefinite" restart="never" nodeType="tmRoot"/>
       </p:par>
     </p:tnLst>
   </p:timing>
@@ -5069,8 +5128,19 @@
             </a:r>
             <a:r>
               <a:rPr lang="en-US" dirty="0" smtClean="0"/>
-              <a:t> – hides an element on the page</a:t>
-            </a:r>
+              <a:t> – hides an element on the </a:t>
+            </a:r>
+            <a:r>
+              <a:rPr lang="en-US" dirty="0" smtClean="0"/>
+              <a:t>page</a:t>
+            </a:r>
+          </a:p>
+          <a:p>
+            <a:r>
+              <a:rPr lang="en-US" dirty="0" smtClean="0"/>
+              <a:t>Inline-Block - allows block elements to be on the same row</a:t>
+            </a:r>
+            <a:endParaRPr lang="en-US" dirty="0" smtClean="0"/>
           </a:p>
           <a:p>
             <a:endParaRPr lang="en-US" dirty="0" smtClean="0"/>
@@ -5090,7 +5160,7 @@
   <p:timing>
     <p:tnLst>
       <p:par>
-        <p:cTn xmlns:p14="http://schemas.microsoft.com/office/powerpoint/2010/main" id="1" dur="indefinite" restart="never" nodeType="tmRoot"/>
+        <p:cTn id="1" dur="indefinite" restart="never" nodeType="tmRoot"/>
       </p:par>
     </p:tnLst>
   </p:timing>
@@ -5214,16 +5284,11 @@
             </a:r>
             <a:r>
               <a:rPr lang="en-US" dirty="0" smtClean="0"/>
-              <a:t> – relative to its first positioned parent element</a:t>
-            </a:r>
-          </a:p>
-          <a:p>
-            <a:pPr marL="457046" lvl="1" indent="0">
-              <a:buNone/>
-            </a:pPr>
-            <a:r>
-              <a:rPr lang="en-US" dirty="0" smtClean="0"/>
-              <a:t>For elements you want to give an exact position to</a:t>
+              <a:t> </a:t>
+            </a:r>
+            <a:r>
+              <a:rPr lang="en-US" dirty="0" smtClean="0"/>
+              <a:t>– exactly where you put it											</a:t>
             </a:r>
             <a:endParaRPr lang="en-US" dirty="0"/>
           </a:p>
@@ -5242,7 +5307,7 @@
   <p:timing>
     <p:tnLst>
       <p:par>
-        <p:cTn xmlns:p14="http://schemas.microsoft.com/office/powerpoint/2010/main" id="1" dur="indefinite" restart="never" nodeType="tmRoot"/>
+        <p:cTn id="1" dur="indefinite" restart="never" nodeType="tmRoot"/>
       </p:par>
     </p:tnLst>
   </p:timing>
@@ -5302,7 +5367,7 @@
   <p:timing>
     <p:tnLst>
       <p:par>
-        <p:cTn xmlns:p14="http://schemas.microsoft.com/office/powerpoint/2010/main" id="1" dur="indefinite" restart="never" nodeType="tmRoot"/>
+        <p:cTn id="1" dur="indefinite" restart="never" nodeType="tmRoot"/>
       </p:par>
     </p:tnLst>
   </p:timing>
@@ -5381,7 +5446,7 @@
   <p:timing>
     <p:tnLst>
       <p:par>
-        <p:cTn xmlns:p14="http://schemas.microsoft.com/office/powerpoint/2010/main" id="1" dur="indefinite" restart="never" nodeType="tmRoot"/>
+        <p:cTn id="1" dur="indefinite" restart="never" nodeType="tmRoot"/>
       </p:par>
     </p:tnLst>
   </p:timing>
@@ -5462,8 +5527,13 @@
           <a:p>
             <a:r>
               <a:rPr lang="en-US" dirty="0" smtClean="0"/>
-              <a:t>Padding – space within an element, but outside the content </a:t>
-            </a:r>
+              <a:t>Padding – space within an element, but outside the </a:t>
+            </a:r>
+            <a:r>
+              <a:rPr lang="en-US" dirty="0" smtClean="0"/>
+              <a:t>content</a:t>
+            </a:r>
+            <a:endParaRPr lang="en-US" dirty="0" smtClean="0"/>
           </a:p>
           <a:p>
             <a:endParaRPr lang="en-US" dirty="0" smtClean="0"/>
@@ -5727,7 +5797,7 @@
   <p:timing>
     <p:tnLst>
       <p:par>
-        <p:cTn xmlns:p14="http://schemas.microsoft.com/office/powerpoint/2010/main" id="1" dur="indefinite" restart="never" nodeType="tmRoot"/>
+        <p:cTn id="1" dur="indefinite" restart="never" nodeType="tmRoot"/>
       </p:par>
     </p:tnLst>
   </p:timing>
@@ -5768,7 +5838,326 @@
           <a:p>
             <a:r>
               <a:rPr lang="en-US" dirty="0" smtClean="0"/>
-              <a:t>Box Model Sizing</a:t>
+              <a:t>CSS Box Model</a:t>
+            </a:r>
+            <a:endParaRPr lang="en-US" dirty="0"/>
+          </a:p>
+        </p:txBody>
+      </p:sp>
+      <p:sp>
+        <p:nvSpPr>
+          <p:cNvPr id="5" name="Content Placeholder 4"/>
+          <p:cNvSpPr>
+            <a:spLocks noGrp="1"/>
+          </p:cNvSpPr>
+          <p:nvPr>
+            <p:ph sz="quarter" idx="10"/>
+          </p:nvPr>
+        </p:nvSpPr>
+        <p:spPr>
+          <a:xfrm>
+            <a:off x="378696" y="1108598"/>
+            <a:ext cx="11525250" cy="5290388"/>
+          </a:xfrm>
+        </p:spPr>
+        <p:txBody>
+          <a:bodyPr/>
+          <a:lstStyle/>
+          <a:p>
+            <a:pPr marL="0" indent="0">
+              <a:buNone/>
+            </a:pPr>
+            <a:r>
+              <a:rPr lang="en-US" dirty="0" smtClean="0"/>
+              <a:t>By default, an element’s width and height </a:t>
+            </a:r>
+            <a:r>
+              <a:rPr lang="en-US" dirty="0" smtClean="0"/>
+              <a:t>sets the </a:t>
+            </a:r>
+            <a:r>
+              <a:rPr lang="en-US" dirty="0" smtClean="0"/>
+              <a:t>content box size</a:t>
+            </a:r>
+          </a:p>
+          <a:p>
+            <a:pPr marL="0" indent="0">
+              <a:buNone/>
+            </a:pPr>
+            <a:r>
+              <a:rPr lang="en-US" dirty="0" smtClean="0"/>
+              <a:t>The </a:t>
+            </a:r>
+            <a:r>
+              <a:rPr lang="en-US" i="1" dirty="0" smtClean="0"/>
+              <a:t>Box-Sizing</a:t>
+            </a:r>
+            <a:r>
+              <a:rPr lang="en-US" dirty="0" smtClean="0"/>
+              <a:t> attribute can change </a:t>
+            </a:r>
+            <a:r>
+              <a:rPr lang="en-US" dirty="0"/>
+              <a:t>this to </a:t>
+            </a:r>
+            <a:r>
+              <a:rPr lang="en-US"/>
+              <a:t>be </a:t>
+            </a:r>
+            <a:r>
+              <a:rPr lang="en-US" smtClean="0"/>
+              <a:t>border-box </a:t>
+            </a:r>
+            <a:r>
+              <a:rPr lang="en-US" dirty="0" smtClean="0"/>
+              <a:t>instead</a:t>
+            </a:r>
+            <a:endParaRPr lang="en-US" dirty="0" smtClean="0"/>
+          </a:p>
+          <a:p>
+            <a:endParaRPr lang="en-US" dirty="0" smtClean="0"/>
+          </a:p>
+          <a:p>
+            <a:pPr marL="0" indent="0">
+              <a:buNone/>
+            </a:pPr>
+            <a:endParaRPr lang="en-US" dirty="0"/>
+          </a:p>
+        </p:txBody>
+      </p:sp>
+      <p:sp>
+        <p:nvSpPr>
+          <p:cNvPr id="2" name="Rectangle 1"/>
+          <p:cNvSpPr/>
+          <p:nvPr/>
+        </p:nvSpPr>
+        <p:spPr>
+          <a:xfrm>
+            <a:off x="2943975" y="3309930"/>
+            <a:ext cx="5830224" cy="3386903"/>
+          </a:xfrm>
+          <a:prstGeom prst="rect">
+            <a:avLst/>
+          </a:prstGeom>
+          <a:ln>
+            <a:prstDash val="dot"/>
+          </a:ln>
+        </p:spPr>
+        <p:style>
+          <a:lnRef idx="2">
+            <a:schemeClr val="accent1"/>
+          </a:lnRef>
+          <a:fillRef idx="1">
+            <a:schemeClr val="lt1"/>
+          </a:fillRef>
+          <a:effectRef idx="0">
+            <a:schemeClr val="accent1"/>
+          </a:effectRef>
+          <a:fontRef idx="minor">
+            <a:schemeClr val="dk1"/>
+          </a:fontRef>
+        </p:style>
+        <p:txBody>
+          <a:bodyPr rtlCol="0" anchor="ctr"/>
+          <a:lstStyle/>
+          <a:p>
+            <a:pPr algn="ctr"/>
+            <a:endParaRPr lang="en-US" dirty="0"/>
+          </a:p>
+        </p:txBody>
+      </p:sp>
+      <p:sp>
+        <p:nvSpPr>
+          <p:cNvPr id="3" name="Rectangle 2"/>
+          <p:cNvSpPr/>
+          <p:nvPr/>
+        </p:nvSpPr>
+        <p:spPr>
+          <a:xfrm>
+            <a:off x="3463500" y="3660594"/>
+            <a:ext cx="4830512" cy="2651365"/>
+          </a:xfrm>
+          <a:prstGeom prst="rect">
+            <a:avLst/>
+          </a:prstGeom>
+          <a:ln w="76200" cmpd="sng"/>
+        </p:spPr>
+        <p:style>
+          <a:lnRef idx="2">
+            <a:schemeClr val="accent1"/>
+          </a:lnRef>
+          <a:fillRef idx="1">
+            <a:schemeClr val="lt1"/>
+          </a:fillRef>
+          <a:effectRef idx="0">
+            <a:schemeClr val="accent1"/>
+          </a:effectRef>
+          <a:fontRef idx="minor">
+            <a:schemeClr val="dk1"/>
+          </a:fontRef>
+        </p:style>
+        <p:txBody>
+          <a:bodyPr rtlCol="0" anchor="ctr"/>
+          <a:lstStyle/>
+          <a:p>
+            <a:pPr algn="ctr"/>
+            <a:endParaRPr lang="en-US" dirty="0"/>
+          </a:p>
+        </p:txBody>
+      </p:sp>
+      <p:sp>
+        <p:nvSpPr>
+          <p:cNvPr id="6" name="Rectangle 5"/>
+          <p:cNvSpPr/>
+          <p:nvPr/>
+        </p:nvSpPr>
+        <p:spPr>
+          <a:xfrm>
+            <a:off x="4117716" y="4252874"/>
+            <a:ext cx="3425018" cy="1481772"/>
+          </a:xfrm>
+          <a:prstGeom prst="rect">
+            <a:avLst/>
+          </a:prstGeom>
+          <a:gradFill flip="none" rotWithShape="1">
+            <a:gsLst>
+              <a:gs pos="0">
+                <a:schemeClr val="accent1">
+                  <a:tint val="50000"/>
+                  <a:satMod val="300000"/>
+                </a:schemeClr>
+              </a:gs>
+              <a:gs pos="35000">
+                <a:schemeClr val="accent1">
+                  <a:tint val="37000"/>
+                  <a:satMod val="300000"/>
+                </a:schemeClr>
+              </a:gs>
+              <a:gs pos="100000">
+                <a:schemeClr val="accent1">
+                  <a:tint val="15000"/>
+                  <a:satMod val="350000"/>
+                </a:schemeClr>
+              </a:gs>
+            </a:gsLst>
+            <a:lin ang="16200000" scaled="1"/>
+            <a:tileRect/>
+          </a:gradFill>
+          <a:ln>
+            <a:prstDash val="dot"/>
+          </a:ln>
+        </p:spPr>
+        <p:style>
+          <a:lnRef idx="1">
+            <a:schemeClr val="accent1"/>
+          </a:lnRef>
+          <a:fillRef idx="2">
+            <a:schemeClr val="accent1"/>
+          </a:fillRef>
+          <a:effectRef idx="1">
+            <a:schemeClr val="accent1"/>
+          </a:effectRef>
+          <a:fontRef idx="minor">
+            <a:schemeClr val="dk1"/>
+          </a:fontRef>
+        </p:style>
+        <p:txBody>
+          <a:bodyPr rtlCol="0" anchor="ctr"/>
+          <a:lstStyle/>
+          <a:p>
+            <a:pPr algn="ctr"/>
+            <a:r>
+              <a:rPr lang="en-US" dirty="0" smtClean="0"/>
+              <a:t>content</a:t>
+            </a:r>
+            <a:endParaRPr lang="en-US" dirty="0"/>
+          </a:p>
+        </p:txBody>
+      </p:sp>
+      <p:sp>
+        <p:nvSpPr>
+          <p:cNvPr id="8" name="TextBox 7"/>
+          <p:cNvSpPr txBox="1"/>
+          <p:nvPr/>
+        </p:nvSpPr>
+        <p:spPr>
+          <a:xfrm>
+            <a:off x="2943975" y="6331202"/>
+            <a:ext cx="1500850" cy="369332"/>
+          </a:xfrm>
+          <a:prstGeom prst="rect">
+            <a:avLst/>
+          </a:prstGeom>
+          <a:noFill/>
+        </p:spPr>
+        <p:txBody>
+          <a:bodyPr wrap="square" rtlCol="0">
+            <a:spAutoFit/>
+          </a:bodyPr>
+          <a:lstStyle/>
+          <a:p>
+            <a:r>
+              <a:rPr lang="en-US" dirty="0" smtClean="0"/>
+              <a:t>margin</a:t>
+            </a:r>
+            <a:endParaRPr lang="en-US" dirty="0"/>
+          </a:p>
+        </p:txBody>
+      </p:sp>
+      <p:sp>
+        <p:nvSpPr>
+          <p:cNvPr id="9" name="TextBox 8"/>
+          <p:cNvSpPr txBox="1"/>
+          <p:nvPr/>
+        </p:nvSpPr>
+        <p:spPr>
+          <a:xfrm>
+            <a:off x="7292590" y="5830863"/>
+            <a:ext cx="1154500" cy="369332"/>
+          </a:xfrm>
+          <a:prstGeom prst="rect">
+            <a:avLst/>
+          </a:prstGeom>
+          <a:noFill/>
+        </p:spPr>
+        <p:txBody>
+          <a:bodyPr wrap="square" rtlCol="0">
+            <a:spAutoFit/>
+          </a:bodyPr>
+          <a:lstStyle/>
+          <a:p>
+            <a:r>
+              <a:rPr lang="en-US" dirty="0" smtClean="0"/>
+              <a:t>padding</a:t>
+            </a:r>
+            <a:endParaRPr lang="en-US" dirty="0"/>
+          </a:p>
+        </p:txBody>
+      </p:sp>
+      <p:sp>
+        <p:nvSpPr>
+          <p:cNvPr id="10" name="Rectangle 9"/>
+          <p:cNvSpPr/>
+          <p:nvPr/>
+        </p:nvSpPr>
+        <p:spPr>
+          <a:xfrm>
+            <a:off x="5280033" y="5953913"/>
+            <a:ext cx="954266" cy="377288"/>
+          </a:xfrm>
+          <a:prstGeom prst="rect">
+            <a:avLst/>
+          </a:prstGeom>
+        </p:spPr>
+        <p:txBody>
+          <a:bodyPr wrap="square">
+            <a:spAutoFit/>
+          </a:bodyPr>
+          <a:lstStyle/>
+          <a:p>
+            <a:r>
+              <a:rPr lang="en-US" dirty="0" smtClean="0"/>
+              <a:t>border</a:t>
             </a:r>
             <a:endParaRPr lang="en-US" dirty="0"/>
           </a:p>
@@ -5777,7 +6166,7 @@
     </p:spTree>
     <p:extLst>
       <p:ext uri="{BB962C8B-B14F-4D97-AF65-F5344CB8AC3E}">
-        <p14:creationId xmlns:p14="http://schemas.microsoft.com/office/powerpoint/2010/main" val="691129573"/>
+        <p14:creationId xmlns:p14="http://schemas.microsoft.com/office/powerpoint/2010/main" val="2124628135"/>
       </p:ext>
     </p:extLst>
   </p:cSld>
@@ -5787,7 +6176,7 @@
   <p:timing>
     <p:tnLst>
       <p:par>
-        <p:cTn xmlns:p14="http://schemas.microsoft.com/office/powerpoint/2010/main" id="1" dur="indefinite" restart="never" nodeType="tmRoot"/>
+        <p:cTn id="1" dur="indefinite" restart="never" nodeType="tmRoot"/>
       </p:par>
     </p:tnLst>
   </p:timing>
@@ -6334,7 +6723,7 @@
   <a:extraClrSchemeLst/>
   <a:extLst>
     <a:ext uri="{05A4C25C-085E-4340-85A3-A5531E510DB2}">
-      <thm15:themeFamily xmlns="" xmlns:thm15="http://schemas.microsoft.com/office/thememl/2012/main" name="Office Theme" id="{62F939B6-93AF-4DB8-9C6B-D6C7DFDC589F}" vid="{4A3C46E8-61CC-4603-A589-7422A47A8E4A}"/>
+      <thm15:themeFamily xmlns:thm15="http://schemas.microsoft.com/office/thememl/2012/main" name="Office Theme" id="{62F939B6-93AF-4DB8-9C6B-D6C7DFDC589F}" vid="{4A3C46E8-61CC-4603-A589-7422A47A8E4A}"/>
     </a:ext>
   </a:extLst>
 </a:theme>
@@ -6595,16 +6984,19 @@
   <a:extraClrSchemeLst/>
   <a:extLst>
     <a:ext uri="{05A4C25C-085E-4340-85A3-A5531E510DB2}">
-      <thm15:themeFamily xmlns="" xmlns:thm15="http://schemas.microsoft.com/office/thememl/2012/main" name="Office Theme" id="{62F939B6-93AF-4DB8-9C6B-D6C7DFDC589F}" vid="{4A3C46E8-61CC-4603-A589-7422A47A8E4A}"/>
+      <thm15:themeFamily xmlns:thm15="http://schemas.microsoft.com/office/thememl/2012/main" name="Office Theme" id="{62F939B6-93AF-4DB8-9C6B-D6C7DFDC589F}" vid="{4A3C46E8-61CC-4603-A589-7422A47A8E4A}"/>
     </a:ext>
   </a:extLst>
 </a:theme>
 </file>
 
 <file path=customXml/item1.xml><?xml version="1.0" encoding="utf-8"?>
-<p:properties xmlns:p="http://schemas.microsoft.com/office/2006/metadata/properties" xmlns:xsi="http://www.w3.org/2001/XMLSchema-instance" xmlns:pc="http://schemas.microsoft.com/office/infopath/2007/PartnerControls">
-  <documentManagement/>
-</p:properties>
+<?mso-contentType ?>
+<FormTemplates xmlns="http://schemas.microsoft.com/sharepoint/v3/contenttype/forms">
+  <Display>DocumentLibraryForm</Display>
+  <Edit>DocumentLibraryForm</Edit>
+  <New>DocumentLibraryForm</New>
+</FormTemplates>
 </file>
 
 <file path=customXml/item2.xml><?xml version="1.0" encoding="utf-8"?>
@@ -6748,26 +7140,15 @@
 </file>
 
 <file path=customXml/item3.xml><?xml version="1.0" encoding="utf-8"?>
-<?mso-contentType ?>
-<FormTemplates xmlns="http://schemas.microsoft.com/sharepoint/v3/contenttype/forms">
-  <Display>DocumentLibraryForm</Display>
-  <Edit>DocumentLibraryForm</Edit>
-  <New>DocumentLibraryForm</New>
-</FormTemplates>
+<p:properties xmlns:p="http://schemas.microsoft.com/office/2006/metadata/properties" xmlns:xsi="http://www.w3.org/2001/XMLSchema-instance" xmlns:pc="http://schemas.microsoft.com/office/infopath/2007/PartnerControls">
+  <documentManagement/>
+</p:properties>
 </file>
 
 <file path=customXml/itemProps1.xml><?xml version="1.0" encoding="utf-8"?>
-<ds:datastoreItem xmlns:ds="http://schemas.openxmlformats.org/officeDocument/2006/customXml" ds:itemID="{7025FDD9-4C58-4084-9F89-0E6ADD6FFF55}">
+<ds:datastoreItem xmlns:ds="http://schemas.openxmlformats.org/officeDocument/2006/customXml" ds:itemID="{B0CA13EC-1D3C-4D6F-8D1C-E8A452CFC79A}">
   <ds:schemaRefs>
-    <ds:schemaRef ds:uri="http://purl.org/dc/terms/"/>
-    <ds:schemaRef ds:uri="http://schemas.openxmlformats.org/package/2006/metadata/core-properties"/>
-    <ds:schemaRef ds:uri="http://schemas.microsoft.com/office/2006/documentManagement/types"/>
-    <ds:schemaRef ds:uri="http://schemas.microsoft.com/office/infopath/2007/PartnerControls"/>
-    <ds:schemaRef ds:uri="http://purl.org/dc/elements/1.1/"/>
-    <ds:schemaRef ds:uri="http://schemas.microsoft.com/office/2006/metadata/properties"/>
-    <ds:schemaRef ds:uri="40f62f3d-88fb-416f-8aeb-e1a0b982e955"/>
-    <ds:schemaRef ds:uri="http://www.w3.org/XML/1998/namespace"/>
-    <ds:schemaRef ds:uri="http://purl.org/dc/dcmitype/"/>
+    <ds:schemaRef ds:uri="http://schemas.microsoft.com/sharepoint/v3/contenttype/forms"/>
   </ds:schemaRefs>
 </ds:datastoreItem>
 </file>
@@ -6791,9 +7172,17 @@
 </file>
 
 <file path=customXml/itemProps3.xml><?xml version="1.0" encoding="utf-8"?>
-<ds:datastoreItem xmlns:ds="http://schemas.openxmlformats.org/officeDocument/2006/customXml" ds:itemID="{B0CA13EC-1D3C-4D6F-8D1C-E8A452CFC79A}">
+<ds:datastoreItem xmlns:ds="http://schemas.openxmlformats.org/officeDocument/2006/customXml" ds:itemID="{7025FDD9-4C58-4084-9F89-0E6ADD6FFF55}">
   <ds:schemaRefs>
-    <ds:schemaRef ds:uri="http://schemas.microsoft.com/sharepoint/v3/contenttype/forms"/>
+    <ds:schemaRef ds:uri="http://purl.org/dc/terms/"/>
+    <ds:schemaRef ds:uri="http://schemas.openxmlformats.org/package/2006/metadata/core-properties"/>
+    <ds:schemaRef ds:uri="http://schemas.microsoft.com/office/2006/documentManagement/types"/>
+    <ds:schemaRef ds:uri="http://schemas.microsoft.com/office/infopath/2007/PartnerControls"/>
+    <ds:schemaRef ds:uri="http://purl.org/dc/elements/1.1/"/>
+    <ds:schemaRef ds:uri="http://schemas.microsoft.com/office/2006/metadata/properties"/>
+    <ds:schemaRef ds:uri="40f62f3d-88fb-416f-8aeb-e1a0b982e955"/>
+    <ds:schemaRef ds:uri="http://www.w3.org/XML/1998/namespace"/>
+    <ds:schemaRef ds:uri="http://purl.org/dc/dcmitype/"/>
   </ds:schemaRefs>
 </ds:datastoreItem>
 </file>
--- a/Slides/Module 3.pptx
+++ b/Slides/Module 3.pptx
@@ -4768,8 +4768,8 @@
           <a:lstStyle/>
           <a:p>
             <a:r>
-              <a:rPr lang="en-US" dirty="0" smtClean="0"/>
-              <a:t>Element interactions &amp; inline-block</a:t>
+              <a:rPr lang="en-US" smtClean="0"/>
+              <a:t>Element interactions</a:t>
             </a:r>
             <a:endParaRPr lang="en-US" dirty="0"/>
           </a:p>
@@ -4877,7 +4877,6 @@
               <a:rPr lang="en-GB" dirty="0" smtClean="0"/>
               <a:t>The Box Model</a:t>
             </a:r>
-            <a:endParaRPr lang="en-GB" dirty="0" smtClean="0"/>
           </a:p>
           <a:p>
             <a:r>
@@ -5128,19 +5127,18 @@
             </a:r>
             <a:r>
               <a:rPr lang="en-US" dirty="0" smtClean="0"/>
-              <a:t> – hides an element on the </a:t>
-            </a:r>
-            <a:r>
-              <a:rPr lang="en-US" dirty="0" smtClean="0"/>
-              <a:t>page</a:t>
-            </a:r>
-          </a:p>
-          <a:p>
-            <a:r>
-              <a:rPr lang="en-US" dirty="0" smtClean="0"/>
-              <a:t>Inline-Block - allows block elements to be on the same row</a:t>
-            </a:r>
-            <a:endParaRPr lang="en-US" dirty="0" smtClean="0"/>
+              <a:t> – hides an element on the page</a:t>
+            </a:r>
+          </a:p>
+          <a:p>
+            <a:r>
+              <a:rPr lang="en-US" b="1" dirty="0" smtClean="0"/>
+              <a:t>Inline-Block</a:t>
+            </a:r>
+            <a:r>
+              <a:rPr lang="en-US" dirty="0" smtClean="0"/>
+              <a:t> - allows block elements to be on the same row</a:t>
+            </a:r>
           </a:p>
           <a:p>
             <a:endParaRPr lang="en-US" dirty="0" smtClean="0"/>
@@ -5284,11 +5282,7 @@
             </a:r>
             <a:r>
               <a:rPr lang="en-US" dirty="0" smtClean="0"/>
-              <a:t> </a:t>
-            </a:r>
-            <a:r>
-              <a:rPr lang="en-US" dirty="0" smtClean="0"/>
-              <a:t>– exactly where you put it											</a:t>
+              <a:t> – exactly where you put it											</a:t>
             </a:r>
             <a:endParaRPr lang="en-US" dirty="0"/>
           </a:p>
@@ -5527,13 +5521,8 @@
           <a:p>
             <a:r>
               <a:rPr lang="en-US" dirty="0" smtClean="0"/>
-              <a:t>Padding – space within an element, but outside the </a:t>
-            </a:r>
-            <a:r>
-              <a:rPr lang="en-US" dirty="0" smtClean="0"/>
-              <a:t>content</a:t>
-            </a:r>
-            <a:endParaRPr lang="en-US" dirty="0" smtClean="0"/>
+              <a:t>Padding – space within an element, but outside the content</a:t>
+            </a:r>
           </a:p>
           <a:p>
             <a:endParaRPr lang="en-US" dirty="0" smtClean="0"/>
@@ -5869,15 +5858,7 @@
             </a:pPr>
             <a:r>
               <a:rPr lang="en-US" dirty="0" smtClean="0"/>
-              <a:t>By default, an element’s width and height </a:t>
-            </a:r>
-            <a:r>
-              <a:rPr lang="en-US" dirty="0" smtClean="0"/>
-              <a:t>sets the </a:t>
-            </a:r>
-            <a:r>
-              <a:rPr lang="en-US" dirty="0" smtClean="0"/>
-              <a:t>content box size</a:t>
+              <a:t>By default, an element’s width and height sets the content box size</a:t>
             </a:r>
           </a:p>
           <a:p>
@@ -5912,7 +5893,6 @@
               <a:rPr lang="en-US" dirty="0" smtClean="0"/>
               <a:t>instead</a:t>
             </a:r>
-            <a:endParaRPr lang="en-US" dirty="0" smtClean="0"/>
           </a:p>
           <a:p>
             <a:endParaRPr lang="en-US" dirty="0" smtClean="0"/>
